--- a/AACS_UX.pptx
+++ b/AACS_UX.pptx
@@ -12,7 +12,6 @@
     <p:sldId id="257" r:id="rId8"/>
     <p:sldId id="258" r:id="rId9"/>
     <p:sldId id="259" r:id="rId10"/>
-    <p:sldId id="260" r:id="rId11"/>
   </p:sldIdLst>
   <p:sldSz cy="6858000" cx="12192000"/>
   <p:notesSz cx="6858000" cy="9144000"/>
@@ -1055,105 +1054,6 @@
           <a:xfrm>
             <a:off x="1143225" y="685800"/>
             <a:ext cx="4572225" cy="3429000"/>
-          </a:xfrm>
-          <a:custGeom>
-            <a:rect b="b" l="l" r="r" t="t"/>
-            <a:pathLst>
-              <a:path extrusionOk="0" h="120000" w="120000">
-                <a:moveTo>
-                  <a:pt x="0" y="0"/>
-                </a:moveTo>
-                <a:lnTo>
-                  <a:pt x="120000" y="0"/>
-                </a:lnTo>
-                <a:lnTo>
-                  <a:pt x="120000" y="120000"/>
-                </a:lnTo>
-                <a:lnTo>
-                  <a:pt x="0" y="120000"/>
-                </a:lnTo>
-                <a:close/>
-              </a:path>
-            </a:pathLst>
-          </a:custGeom>
-        </p:spPr>
-      </p:sp>
-    </p:spTree>
-  </p:cSld>
-  <p:clrMapOvr>
-    <a:masterClrMapping/>
-  </p:clrMapOvr>
-</p:notes>
-</file>
-
-<file path=ppt/notesSlides/notesSlide5.xml><?xml version="1.0" encoding="utf-8"?>
-<p:notes xmlns:a="http://schemas.openxmlformats.org/drawingml/2006/main" xmlns:r="http://schemas.openxmlformats.org/officeDocument/2006/relationships" xmlns:mc="http://schemas.openxmlformats.org/markup-compatibility/2006" xmlns:mv="urn:schemas-microsoft-com:mac:vml" xmlns:p="http://schemas.openxmlformats.org/presentationml/2006/main" xmlns:c="http://schemas.openxmlformats.org/drawingml/2006/chart" xmlns:dgm="http://schemas.openxmlformats.org/drawingml/2006/diagram" xmlns:o="urn:schemas-microsoft-com:office:office" xmlns:v="urn:schemas-microsoft-com:vml" xmlns:pvml="urn:schemas-microsoft-com:office:powerpoint" xmlns:com="http://schemas.openxmlformats.org/drawingml/2006/compatibility" xmlns:p14="http://schemas.microsoft.com/office/powerpoint/2010/main" xmlns:p15="http://schemas.microsoft.com/office/powerpoint/2012/main" xmlns:ahyp="http://schemas.microsoft.com/office/drawing/2018/hyperlinkcolor" showMasterPhAnim="0" showMasterSp="0">
-  <p:cSld>
-    <p:spTree>
-      <p:nvGrpSpPr>
-        <p:cNvPr id="171" name="Shape 171"/>
-        <p:cNvGrpSpPr/>
-        <p:nvPr/>
-      </p:nvGrpSpPr>
-      <p:grpSpPr>
-        <a:xfrm>
-          <a:off x="0" y="0"/>
-          <a:ext cx="0" cy="0"/>
-          <a:chOff x="0" y="0"/>
-          <a:chExt cx="0" cy="0"/>
-        </a:xfrm>
-      </p:grpSpPr>
-      <p:sp>
-        <p:nvSpPr>
-          <p:cNvPr id="172" name="Google Shape;172;gddd0a097fa_0_4:notes"/>
-          <p:cNvSpPr txBox="1"/>
-          <p:nvPr>
-            <p:ph idx="1" type="body"/>
-          </p:nvPr>
-        </p:nvSpPr>
-        <p:spPr>
-          <a:xfrm>
-            <a:off x="685800" y="4343400"/>
-            <a:ext cx="5486400" cy="4114800"/>
-          </a:xfrm>
-          <a:prstGeom prst="rect">
-            <a:avLst/>
-          </a:prstGeom>
-        </p:spPr>
-        <p:txBody>
-          <a:bodyPr anchorCtr="0" anchor="t" bIns="91425" lIns="91425" spcFirstLastPara="1" rIns="91425" wrap="square" tIns="91425">
-            <a:noAutofit/>
-          </a:bodyPr>
-          <a:lstStyle/>
-          <a:p>
-            <a:pPr indent="0" lvl="0" marL="0" rtl="0" algn="l">
-              <a:spcBef>
-                <a:spcPts val="0"/>
-              </a:spcBef>
-              <a:spcAft>
-                <a:spcPts val="0"/>
-              </a:spcAft>
-              <a:buNone/>
-            </a:pPr>
-            <a:r>
-              <a:t/>
-            </a:r>
-            <a:endParaRPr/>
-          </a:p>
-        </p:txBody>
-      </p:sp>
-      <p:sp>
-        <p:nvSpPr>
-          <p:cNvPr id="173" name="Google Shape;173;gddd0a097fa_0_4:notes"/>
-          <p:cNvSpPr/>
-          <p:nvPr>
-            <p:ph idx="2" type="sldImg"/>
-          </p:nvPr>
-        </p:nvSpPr>
-        <p:spPr>
-          <a:xfrm>
-            <a:off x="1143225" y="685800"/>
-            <a:ext cx="4572300" cy="3429000"/>
           </a:xfrm>
           <a:custGeom>
             <a:rect b="b" l="l" r="r" t="t"/>
@@ -11663,7 +11563,7 @@
             <a:tbl>
               <a:tblPr bandRow="1" firstRow="1">
                 <a:noFill/>
-                <a:tableStyleId>{97DFB9E2-7308-4511-84B3-63A39760BF91}</a:tableStyleId>
+                <a:tableStyleId>{6936E181-8DED-457B-A822-C322C3DB7DA9}</a:tableStyleId>
               </a:tblPr>
               <a:tblGrid>
                 <a:gridCol w="1263450"/>
@@ -13492,7 +13392,7 @@
             <a:tbl>
               <a:tblPr bandRow="1" firstRow="1">
                 <a:noFill/>
-                <a:tableStyleId>{97DFB9E2-7308-4511-84B3-63A39760BF91}</a:tableStyleId>
+                <a:tableStyleId>{6936E181-8DED-457B-A822-C322C3DB7DA9}</a:tableStyleId>
               </a:tblPr>
               <a:tblGrid>
                 <a:gridCol w="1263450"/>
@@ -14929,7 +14829,7 @@
             <a:tbl>
               <a:tblPr bandRow="1" firstRow="1">
                 <a:noFill/>
-                <a:tableStyleId>{97DFB9E2-7308-4511-84B3-63A39760BF91}</a:tableStyleId>
+                <a:tableStyleId>{6936E181-8DED-457B-A822-C322C3DB7DA9}</a:tableStyleId>
               </a:tblPr>
               <a:tblGrid>
                 <a:gridCol w="1263450"/>
@@ -15518,8 +15418,8 @@
         </p:nvSpPr>
         <p:spPr>
           <a:xfrm>
-            <a:off x="5878286" y="1304729"/>
-            <a:ext cx="1167973" cy="334884"/>
+            <a:off x="5878273" y="1304725"/>
+            <a:ext cx="1375500" cy="334800"/>
           </a:xfrm>
           <a:prstGeom prst="rect">
             <a:avLst/>
@@ -15560,7 +15460,7 @@
                 <a:cs typeface="Malgun Gothic"/>
                 <a:sym typeface="Malgun Gothic"/>
               </a:rPr>
-              <a:t>Past</a:t>
+              <a:t>Recorded</a:t>
             </a:r>
             <a:endParaRPr sz="1800">
               <a:solidFill>
@@ -16698,8 +16598,8 @@
         </p:nvSpPr>
         <p:spPr>
           <a:xfrm>
-            <a:off x="9213432" y="3003302"/>
-            <a:ext cx="800400" cy="369300"/>
+            <a:off x="9213417" y="3003300"/>
+            <a:ext cx="1711800" cy="369300"/>
           </a:xfrm>
           <a:prstGeom prst="rect">
             <a:avLst/>
@@ -16734,7 +16634,7 @@
                 <a:cs typeface="Malgun Gothic"/>
                 <a:sym typeface="Malgun Gothic"/>
               </a:rPr>
-              <a:t>Past</a:t>
+              <a:t>Recorded</a:t>
             </a:r>
             <a:r>
               <a:rPr lang="en-US" sz="1800">
@@ -17049,2576 +16949,6 @@
       <p:sp>
         <p:nvSpPr>
           <p:cNvPr id="170" name="Google Shape;170;p16"/>
-          <p:cNvSpPr txBox="1"/>
-          <p:nvPr/>
-        </p:nvSpPr>
-        <p:spPr>
-          <a:xfrm>
-            <a:off x="7510301" y="5407900"/>
-            <a:ext cx="3020100" cy="875100"/>
-          </a:xfrm>
-          <a:prstGeom prst="rect">
-            <a:avLst/>
-          </a:prstGeom>
-          <a:noFill/>
-          <a:ln>
-            <a:noFill/>
-          </a:ln>
-        </p:spPr>
-        <p:txBody>
-          <a:bodyPr anchorCtr="0" anchor="t" bIns="91425" lIns="91425" spcFirstLastPara="1" rIns="91425" wrap="square" tIns="91425">
-            <a:spAutoFit/>
-          </a:bodyPr>
-          <a:lstStyle/>
-          <a:p>
-            <a:pPr indent="0" lvl="0" marL="0" marR="38100" rtl="0" algn="l">
-              <a:lnSpc>
-                <a:spcPct val="128571"/>
-              </a:lnSpc>
-              <a:spcBef>
-                <a:spcPts val="0"/>
-              </a:spcBef>
-              <a:spcAft>
-                <a:spcPts val="0"/>
-              </a:spcAft>
-              <a:buNone/>
-            </a:pPr>
-            <a:r>
-              <a:rPr lang="en-US" sz="1200">
-                <a:solidFill>
-                  <a:srgbClr val="202124"/>
-                </a:solidFill>
-                <a:highlight>
-                  <a:srgbClr val="F8F9FA"/>
-                </a:highlight>
-              </a:rPr>
-              <a:t>If you select this menu, the displayed student attendance time is cleared.</a:t>
-            </a:r>
-            <a:endParaRPr sz="1200">
-              <a:solidFill>
-                <a:srgbClr val="202124"/>
-              </a:solidFill>
-              <a:highlight>
-                <a:srgbClr val="F8F9FA"/>
-              </a:highlight>
-            </a:endParaRPr>
-          </a:p>
-          <a:p>
-            <a:pPr indent="0" lvl="0" marL="0" rtl="0" algn="l">
-              <a:spcBef>
-                <a:spcPts val="0"/>
-              </a:spcBef>
-              <a:spcAft>
-                <a:spcPts val="0"/>
-              </a:spcAft>
-              <a:buNone/>
-            </a:pPr>
-            <a:r>
-              <a:t/>
-            </a:r>
-            <a:endParaRPr>
-              <a:latin typeface="Malgun Gothic"/>
-              <a:ea typeface="Malgun Gothic"/>
-              <a:cs typeface="Malgun Gothic"/>
-              <a:sym typeface="Malgun Gothic"/>
-            </a:endParaRPr>
-          </a:p>
-        </p:txBody>
-      </p:sp>
-    </p:spTree>
-  </p:cSld>
-  <p:clrMapOvr>
-    <a:masterClrMapping/>
-  </p:clrMapOvr>
-</p:sld>
-</file>
-
-<file path=ppt/slides/slide5.xml><?xml version="1.0" encoding="utf-8"?>
-<p:sld xmlns:a="http://schemas.openxmlformats.org/drawingml/2006/main" xmlns:r="http://schemas.openxmlformats.org/officeDocument/2006/relationships" xmlns:mc="http://schemas.openxmlformats.org/markup-compatibility/2006" xmlns:mv="urn:schemas-microsoft-com:mac:vml" xmlns:p="http://schemas.openxmlformats.org/presentationml/2006/main" xmlns:c="http://schemas.openxmlformats.org/drawingml/2006/chart" xmlns:dgm="http://schemas.openxmlformats.org/drawingml/2006/diagram" xmlns:o="urn:schemas-microsoft-com:office:office" xmlns:v="urn:schemas-microsoft-com:vml" xmlns:pvml="urn:schemas-microsoft-com:office:powerpoint" xmlns:com="http://schemas.openxmlformats.org/drawingml/2006/compatibility" xmlns:p14="http://schemas.microsoft.com/office/powerpoint/2010/main" xmlns:p15="http://schemas.microsoft.com/office/powerpoint/2012/main" xmlns:ahyp="http://schemas.microsoft.com/office/drawing/2018/hyperlinkcolor">
-  <p:cSld>
-    <p:spTree>
-      <p:nvGrpSpPr>
-        <p:cNvPr id="174" name="Shape 174"/>
-        <p:cNvGrpSpPr/>
-        <p:nvPr/>
-      </p:nvGrpSpPr>
-      <p:grpSpPr>
-        <a:xfrm>
-          <a:off x="0" y="0"/>
-          <a:ext cx="0" cy="0"/>
-          <a:chOff x="0" y="0"/>
-          <a:chExt cx="0" cy="0"/>
-        </a:xfrm>
-      </p:grpSpPr>
-      <p:graphicFrame>
-        <p:nvGraphicFramePr>
-          <p:cNvPr id="175" name="Google Shape;175;p17"/>
-          <p:cNvGraphicFramePr/>
-          <p:nvPr/>
-        </p:nvGraphicFramePr>
-        <p:xfrm>
-          <a:off x="291542" y="157942"/>
-          <a:ext cx="3000000" cy="3000000"/>
-        </p:xfrm>
-        <a:graphic>
-          <a:graphicData uri="http://schemas.openxmlformats.org/drawingml/2006/table">
-            <a:tbl>
-              <a:tblPr bandRow="1" firstRow="1">
-                <a:noFill/>
-                <a:tableStyleId>{97DFB9E2-7308-4511-84B3-63A39760BF91}</a:tableStyleId>
-              </a:tblPr>
-              <a:tblGrid>
-                <a:gridCol w="1263450"/>
-                <a:gridCol w="5948275"/>
-                <a:gridCol w="532975"/>
-                <a:gridCol w="1998625"/>
-                <a:gridCol w="628125"/>
-                <a:gridCol w="1265800"/>
-              </a:tblGrid>
-              <a:tr h="170400">
-                <a:tc>
-                  <a:txBody>
-                    <a:bodyPr/>
-                    <a:lstStyle/>
-                    <a:p>
-                      <a:pPr indent="0" lvl="0" marL="0" marR="0" rtl="0" algn="l">
-                        <a:spcBef>
-                          <a:spcPts val="0"/>
-                        </a:spcBef>
-                        <a:spcAft>
-                          <a:spcPts val="0"/>
-                        </a:spcAft>
-                        <a:buNone/>
-                      </a:pPr>
-                      <a:r>
-                        <a:rPr lang="en-US" sz="800" u="none" cap="none" strike="noStrike"/>
-                        <a:t>Chapter</a:t>
-                      </a:r>
-                      <a:endParaRPr sz="800" u="none" cap="none" strike="noStrike"/>
-                    </a:p>
-                  </a:txBody>
-                  <a:tcPr marT="45725" marB="45725" marR="91450" marL="91450">
-                    <a:solidFill>
-                      <a:srgbClr val="D8D8D8"/>
-                    </a:solidFill>
-                  </a:tcPr>
-                </a:tc>
-                <a:tc>
-                  <a:txBody>
-                    <a:bodyPr/>
-                    <a:lstStyle/>
-                    <a:p>
-                      <a:pPr indent="0" lvl="0" marL="0" marR="0" rtl="0" algn="l">
-                        <a:spcBef>
-                          <a:spcPts val="0"/>
-                        </a:spcBef>
-                        <a:spcAft>
-                          <a:spcPts val="0"/>
-                        </a:spcAft>
-                        <a:buNone/>
-                      </a:pPr>
-                      <a:r>
-                        <a:t/>
-                      </a:r>
-                      <a:endParaRPr sz="800" u="none" cap="none" strike="noStrike"/>
-                    </a:p>
-                  </a:txBody>
-                  <a:tcPr marT="45725" marB="45725" marR="91450" marL="91450"/>
-                </a:tc>
-                <a:tc>
-                  <a:txBody>
-                    <a:bodyPr/>
-                    <a:lstStyle/>
-                    <a:p>
-                      <a:pPr indent="0" lvl="0" marL="0" marR="0" rtl="0" algn="l">
-                        <a:spcBef>
-                          <a:spcPts val="0"/>
-                        </a:spcBef>
-                        <a:spcAft>
-                          <a:spcPts val="0"/>
-                        </a:spcAft>
-                        <a:buNone/>
-                      </a:pPr>
-                      <a:r>
-                        <a:rPr lang="en-US" sz="800" u="none" cap="none" strike="noStrike"/>
-                        <a:t>ID</a:t>
-                      </a:r>
-                      <a:endParaRPr sz="800" u="none" cap="none" strike="noStrike"/>
-                    </a:p>
-                  </a:txBody>
-                  <a:tcPr marT="45725" marB="45725" marR="91450" marL="91450">
-                    <a:solidFill>
-                      <a:srgbClr val="D8D8D8"/>
-                    </a:solidFill>
-                  </a:tcPr>
-                </a:tc>
-                <a:tc>
-                  <a:txBody>
-                    <a:bodyPr/>
-                    <a:lstStyle/>
-                    <a:p>
-                      <a:pPr indent="0" lvl="0" marL="0" marR="0" rtl="0" algn="l">
-                        <a:spcBef>
-                          <a:spcPts val="0"/>
-                        </a:spcBef>
-                        <a:spcAft>
-                          <a:spcPts val="0"/>
-                        </a:spcAft>
-                        <a:buNone/>
-                      </a:pPr>
-                      <a:r>
-                        <a:t/>
-                      </a:r>
-                      <a:endParaRPr sz="800" u="none" cap="none" strike="noStrike"/>
-                    </a:p>
-                  </a:txBody>
-                  <a:tcPr marT="45725" marB="45725" marR="91450" marL="91450"/>
-                </a:tc>
-                <a:tc>
-                  <a:txBody>
-                    <a:bodyPr/>
-                    <a:lstStyle/>
-                    <a:p>
-                      <a:pPr indent="0" lvl="0" marL="0" marR="0" rtl="0" algn="l">
-                        <a:spcBef>
-                          <a:spcPts val="0"/>
-                        </a:spcBef>
-                        <a:spcAft>
-                          <a:spcPts val="0"/>
-                        </a:spcAft>
-                        <a:buNone/>
-                      </a:pPr>
-                      <a:r>
-                        <a:rPr lang="en-US" sz="800" u="none" cap="none" strike="noStrike"/>
-                        <a:t>Note</a:t>
-                      </a:r>
-                      <a:endParaRPr sz="800" u="none" cap="none" strike="noStrike"/>
-                    </a:p>
-                  </a:txBody>
-                  <a:tcPr marT="45725" marB="45725" marR="91450" marL="91450">
-                    <a:solidFill>
-                      <a:srgbClr val="D8D8D8"/>
-                    </a:solidFill>
-                  </a:tcPr>
-                </a:tc>
-                <a:tc>
-                  <a:txBody>
-                    <a:bodyPr/>
-                    <a:lstStyle/>
-                    <a:p>
-                      <a:pPr indent="0" lvl="0" marL="0" marR="0" rtl="0" algn="l">
-                        <a:spcBef>
-                          <a:spcPts val="0"/>
-                        </a:spcBef>
-                        <a:spcAft>
-                          <a:spcPts val="0"/>
-                        </a:spcAft>
-                        <a:buNone/>
-                      </a:pPr>
-                      <a:r>
-                        <a:t/>
-                      </a:r>
-                      <a:endParaRPr sz="800" u="none" cap="none" strike="noStrike"/>
-                    </a:p>
-                  </a:txBody>
-                  <a:tcPr marT="45725" marB="45725" marR="91450" marL="91450"/>
-                </a:tc>
-              </a:tr>
-              <a:tr h="216525">
-                <a:tc>
-                  <a:txBody>
-                    <a:bodyPr/>
-                    <a:lstStyle/>
-                    <a:p>
-                      <a:pPr indent="0" lvl="0" marL="0" marR="0" rtl="0" algn="l">
-                        <a:spcBef>
-                          <a:spcPts val="0"/>
-                        </a:spcBef>
-                        <a:spcAft>
-                          <a:spcPts val="0"/>
-                        </a:spcAft>
-                        <a:buNone/>
-                      </a:pPr>
-                      <a:r>
-                        <a:rPr lang="en-US" sz="800" u="none" cap="none" strike="noStrike"/>
-                        <a:t>Location</a:t>
-                      </a:r>
-                      <a:endParaRPr sz="800" u="none" cap="none" strike="noStrike"/>
-                    </a:p>
-                  </a:txBody>
-                  <a:tcPr marT="45725" marB="45725" marR="91450" marL="91450">
-                    <a:solidFill>
-                      <a:srgbClr val="D8D8D8"/>
-                    </a:solidFill>
-                  </a:tcPr>
-                </a:tc>
-                <a:tc>
-                  <a:txBody>
-                    <a:bodyPr/>
-                    <a:lstStyle/>
-                    <a:p>
-                      <a:pPr indent="0" lvl="0" marL="0" marR="0" rtl="0" algn="l">
-                        <a:spcBef>
-                          <a:spcPts val="0"/>
-                        </a:spcBef>
-                        <a:spcAft>
-                          <a:spcPts val="0"/>
-                        </a:spcAft>
-                        <a:buNone/>
-                      </a:pPr>
-                      <a:r>
-                        <a:rPr lang="en-US" sz="800" u="none" cap="none" strike="noStrike"/>
-                        <a:t>Admin login</a:t>
-                      </a:r>
-                      <a:endParaRPr sz="800" u="none" cap="none" strike="noStrike"/>
-                    </a:p>
-                  </a:txBody>
-                  <a:tcPr marT="45725" marB="45725" marR="91450" marL="91450"/>
-                </a:tc>
-                <a:tc>
-                  <a:txBody>
-                    <a:bodyPr/>
-                    <a:lstStyle/>
-                    <a:p>
-                      <a:pPr indent="0" lvl="0" marL="0" marR="0" rtl="0" algn="l">
-                        <a:spcBef>
-                          <a:spcPts val="0"/>
-                        </a:spcBef>
-                        <a:spcAft>
-                          <a:spcPts val="0"/>
-                        </a:spcAft>
-                        <a:buNone/>
-                      </a:pPr>
-                      <a:r>
-                        <a:rPr lang="en-US" sz="800" u="none" cap="none" strike="noStrike"/>
-                        <a:t>Side</a:t>
-                      </a:r>
-                      <a:endParaRPr sz="800" u="none" cap="none" strike="noStrike"/>
-                    </a:p>
-                  </a:txBody>
-                  <a:tcPr marT="45725" marB="45725" marR="91450" marL="91450">
-                    <a:solidFill>
-                      <a:srgbClr val="D8D8D8"/>
-                    </a:solidFill>
-                  </a:tcPr>
-                </a:tc>
-                <a:tc gridSpan="3">
-                  <a:txBody>
-                    <a:bodyPr/>
-                    <a:lstStyle/>
-                    <a:p>
-                      <a:pPr indent="0" lvl="0" marL="0" marR="0" rtl="0" algn="l">
-                        <a:spcBef>
-                          <a:spcPts val="0"/>
-                        </a:spcBef>
-                        <a:spcAft>
-                          <a:spcPts val="0"/>
-                        </a:spcAft>
-                        <a:buNone/>
-                      </a:pPr>
-                      <a:r>
-                        <a:rPr lang="en-US" sz="800" u="none" cap="none" strike="noStrike"/>
-                        <a:t>PC</a:t>
-                      </a:r>
-                      <a:endParaRPr sz="800" u="none" cap="none" strike="noStrike"/>
-                    </a:p>
-                  </a:txBody>
-                  <a:tcPr marT="45725" marB="45725" marR="91450" marL="91450"/>
-                </a:tc>
-                <a:tc hMerge="1"/>
-                <a:tc hMerge="1"/>
-              </a:tr>
-            </a:tbl>
-          </a:graphicData>
-        </a:graphic>
-      </p:graphicFrame>
-      <p:sp>
-        <p:nvSpPr>
-          <p:cNvPr id="176" name="Google Shape;176;p17"/>
-          <p:cNvSpPr/>
-          <p:nvPr/>
-        </p:nvSpPr>
-        <p:spPr>
-          <a:xfrm>
-            <a:off x="306058" y="789710"/>
-            <a:ext cx="8591100" cy="4011000"/>
-          </a:xfrm>
-          <a:prstGeom prst="rect">
-            <a:avLst/>
-          </a:prstGeom>
-          <a:noFill/>
-          <a:ln cap="flat" cmpd="sng" w="12700">
-            <a:solidFill>
-              <a:schemeClr val="dk1"/>
-            </a:solidFill>
-            <a:prstDash val="solid"/>
-            <a:miter lim="800000"/>
-            <a:headEnd len="sm" w="sm" type="none"/>
-            <a:tailEnd len="sm" w="sm" type="none"/>
-          </a:ln>
-        </p:spPr>
-        <p:txBody>
-          <a:bodyPr anchorCtr="0" anchor="ctr" bIns="45700" lIns="91425" spcFirstLastPara="1" rIns="91425" wrap="square" tIns="45700">
-            <a:noAutofit/>
-          </a:bodyPr>
-          <a:lstStyle/>
-          <a:p>
-            <a:pPr indent="0" lvl="0" marL="0" marR="0" rtl="0" algn="ctr">
-              <a:spcBef>
-                <a:spcPts val="0"/>
-              </a:spcBef>
-              <a:spcAft>
-                <a:spcPts val="0"/>
-              </a:spcAft>
-              <a:buNone/>
-            </a:pPr>
-            <a:r>
-              <a:t/>
-            </a:r>
-            <a:endParaRPr sz="1800">
-              <a:solidFill>
-                <a:schemeClr val="lt1"/>
-              </a:solidFill>
-              <a:latin typeface="Malgun Gothic"/>
-              <a:ea typeface="Malgun Gothic"/>
-              <a:cs typeface="Malgun Gothic"/>
-              <a:sym typeface="Malgun Gothic"/>
-            </a:endParaRPr>
-          </a:p>
-        </p:txBody>
-      </p:sp>
-      <p:pic>
-        <p:nvPicPr>
-          <p:cNvPr id="177" name="Google Shape;177;p17"/>
-          <p:cNvPicPr preferRelativeResize="0"/>
-          <p:nvPr/>
-        </p:nvPicPr>
-        <p:blipFill rotWithShape="1">
-          <a:blip r:embed="rId3">
-            <a:alphaModFix/>
-          </a:blip>
-          <a:srcRect b="0" l="0" r="0" t="0"/>
-          <a:stretch/>
-        </p:blipFill>
-        <p:spPr>
-          <a:xfrm>
-            <a:off x="8067082" y="916691"/>
-            <a:ext cx="689445" cy="689445"/>
-          </a:xfrm>
-          <a:prstGeom prst="rect">
-            <a:avLst/>
-          </a:prstGeom>
-          <a:noFill/>
-          <a:ln>
-            <a:noFill/>
-          </a:ln>
-        </p:spPr>
-      </p:pic>
-      <p:sp>
-        <p:nvSpPr>
-          <p:cNvPr id="178" name="Google Shape;178;p17"/>
-          <p:cNvSpPr txBox="1"/>
-          <p:nvPr/>
-        </p:nvSpPr>
-        <p:spPr>
-          <a:xfrm>
-            <a:off x="9213432" y="1555502"/>
-            <a:ext cx="800400" cy="369300"/>
-          </a:xfrm>
-          <a:prstGeom prst="rect">
-            <a:avLst/>
-          </a:prstGeom>
-          <a:noFill/>
-          <a:ln>
-            <a:noFill/>
-          </a:ln>
-        </p:spPr>
-        <p:txBody>
-          <a:bodyPr anchorCtr="0" anchor="t" bIns="45700" lIns="91425" spcFirstLastPara="1" rIns="91425" wrap="square" tIns="45700">
-            <a:spAutoFit/>
-          </a:bodyPr>
-          <a:lstStyle/>
-          <a:p>
-            <a:pPr indent="0" lvl="0" marL="0" marR="0" rtl="0" algn="l">
-              <a:spcBef>
-                <a:spcPts val="0"/>
-              </a:spcBef>
-              <a:spcAft>
-                <a:spcPts val="0"/>
-              </a:spcAft>
-              <a:buNone/>
-            </a:pPr>
-            <a:r>
-              <a:rPr lang="en-US" sz="1800">
-                <a:solidFill>
-                  <a:schemeClr val="dk1"/>
-                </a:solidFill>
-                <a:latin typeface="Malgun Gothic"/>
-                <a:ea typeface="Malgun Gothic"/>
-                <a:cs typeface="Malgun Gothic"/>
-                <a:sym typeface="Malgun Gothic"/>
-              </a:rPr>
-              <a:t>Live : </a:t>
-            </a:r>
-            <a:endParaRPr sz="1800">
-              <a:solidFill>
-                <a:schemeClr val="dk1"/>
-              </a:solidFill>
-              <a:latin typeface="Malgun Gothic"/>
-              <a:ea typeface="Malgun Gothic"/>
-              <a:cs typeface="Malgun Gothic"/>
-              <a:sym typeface="Malgun Gothic"/>
-            </a:endParaRPr>
-          </a:p>
-        </p:txBody>
-      </p:sp>
-      <p:sp>
-        <p:nvSpPr>
-          <p:cNvPr id="179" name="Google Shape;179;p17"/>
-          <p:cNvSpPr/>
-          <p:nvPr/>
-        </p:nvSpPr>
-        <p:spPr>
-          <a:xfrm>
-            <a:off x="958732" y="2610523"/>
-            <a:ext cx="1399800" cy="1637100"/>
-          </a:xfrm>
-          <a:prstGeom prst="rect">
-            <a:avLst/>
-          </a:prstGeom>
-          <a:noFill/>
-          <a:ln cap="flat" cmpd="sng" w="12700">
-            <a:solidFill>
-              <a:schemeClr val="dk1"/>
-            </a:solidFill>
-            <a:prstDash val="solid"/>
-            <a:miter lim="800000"/>
-            <a:headEnd len="sm" w="sm" type="none"/>
-            <a:tailEnd len="sm" w="sm" type="none"/>
-          </a:ln>
-        </p:spPr>
-        <p:txBody>
-          <a:bodyPr anchorCtr="0" anchor="ctr" bIns="45700" lIns="91425" spcFirstLastPara="1" rIns="91425" wrap="square" tIns="45700">
-            <a:noAutofit/>
-          </a:bodyPr>
-          <a:lstStyle/>
-          <a:p>
-            <a:pPr indent="0" lvl="0" marL="0" marR="0" rtl="0" algn="ctr">
-              <a:spcBef>
-                <a:spcPts val="0"/>
-              </a:spcBef>
-              <a:spcAft>
-                <a:spcPts val="0"/>
-              </a:spcAft>
-              <a:buNone/>
-            </a:pPr>
-            <a:r>
-              <a:t/>
-            </a:r>
-            <a:endParaRPr sz="1800">
-              <a:solidFill>
-                <a:schemeClr val="lt1"/>
-              </a:solidFill>
-              <a:latin typeface="Malgun Gothic"/>
-              <a:ea typeface="Malgun Gothic"/>
-              <a:cs typeface="Malgun Gothic"/>
-              <a:sym typeface="Malgun Gothic"/>
-            </a:endParaRPr>
-          </a:p>
-        </p:txBody>
-      </p:sp>
-      <p:sp>
-        <p:nvSpPr>
-          <p:cNvPr id="180" name="Google Shape;180;p17"/>
-          <p:cNvSpPr/>
-          <p:nvPr/>
-        </p:nvSpPr>
-        <p:spPr>
-          <a:xfrm>
-            <a:off x="4710313" y="1304240"/>
-            <a:ext cx="1167900" cy="334800"/>
-          </a:xfrm>
-          <a:prstGeom prst="rect">
-            <a:avLst/>
-          </a:prstGeom>
-          <a:noFill/>
-          <a:ln cap="flat" cmpd="sng" w="12700">
-            <a:solidFill>
-              <a:schemeClr val="dk1"/>
-            </a:solidFill>
-            <a:prstDash val="solid"/>
-            <a:miter lim="800000"/>
-            <a:headEnd len="sm" w="sm" type="none"/>
-            <a:tailEnd len="sm" w="sm" type="none"/>
-          </a:ln>
-        </p:spPr>
-        <p:txBody>
-          <a:bodyPr anchorCtr="0" anchor="ctr" bIns="45700" lIns="91425" spcFirstLastPara="1" rIns="91425" wrap="square" tIns="45700">
-            <a:noAutofit/>
-          </a:bodyPr>
-          <a:lstStyle/>
-          <a:p>
-            <a:pPr indent="0" lvl="0" marL="0" marR="0" rtl="0" algn="ctr">
-              <a:spcBef>
-                <a:spcPts val="0"/>
-              </a:spcBef>
-              <a:spcAft>
-                <a:spcPts val="0"/>
-              </a:spcAft>
-              <a:buNone/>
-            </a:pPr>
-            <a:r>
-              <a:rPr lang="en-US" sz="1800">
-                <a:solidFill>
-                  <a:schemeClr val="dk1"/>
-                </a:solidFill>
-                <a:latin typeface="Malgun Gothic"/>
-                <a:ea typeface="Malgun Gothic"/>
-                <a:cs typeface="Malgun Gothic"/>
-                <a:sym typeface="Malgun Gothic"/>
-              </a:rPr>
-              <a:t>Live</a:t>
-            </a:r>
-            <a:endParaRPr sz="1800">
-              <a:solidFill>
-                <a:schemeClr val="dk1"/>
-              </a:solidFill>
-              <a:latin typeface="Malgun Gothic"/>
-              <a:ea typeface="Malgun Gothic"/>
-              <a:cs typeface="Malgun Gothic"/>
-              <a:sym typeface="Malgun Gothic"/>
-            </a:endParaRPr>
-          </a:p>
-        </p:txBody>
-      </p:sp>
-      <p:sp>
-        <p:nvSpPr>
-          <p:cNvPr id="181" name="Google Shape;181;p17"/>
-          <p:cNvSpPr/>
-          <p:nvPr/>
-        </p:nvSpPr>
-        <p:spPr>
-          <a:xfrm>
-            <a:off x="4710313" y="1935969"/>
-            <a:ext cx="3838500" cy="2562600"/>
-          </a:xfrm>
-          <a:prstGeom prst="rect">
-            <a:avLst/>
-          </a:prstGeom>
-          <a:noFill/>
-          <a:ln cap="flat" cmpd="sng" w="12700">
-            <a:solidFill>
-              <a:schemeClr val="dk1"/>
-            </a:solidFill>
-            <a:prstDash val="solid"/>
-            <a:miter lim="800000"/>
-            <a:headEnd len="sm" w="sm" type="none"/>
-            <a:tailEnd len="sm" w="sm" type="none"/>
-          </a:ln>
-        </p:spPr>
-        <p:txBody>
-          <a:bodyPr anchorCtr="0" anchor="ctr" bIns="45700" lIns="91425" spcFirstLastPara="1" rIns="91425" wrap="square" tIns="45700">
-            <a:noAutofit/>
-          </a:bodyPr>
-          <a:lstStyle/>
-          <a:p>
-            <a:pPr indent="0" lvl="0" marL="0" marR="0" rtl="0" algn="ctr">
-              <a:spcBef>
-                <a:spcPts val="0"/>
-              </a:spcBef>
-              <a:spcAft>
-                <a:spcPts val="0"/>
-              </a:spcAft>
-              <a:buNone/>
-            </a:pPr>
-            <a:r>
-              <a:t/>
-            </a:r>
-            <a:endParaRPr sz="1800">
-              <a:solidFill>
-                <a:schemeClr val="lt1"/>
-              </a:solidFill>
-              <a:latin typeface="Malgun Gothic"/>
-              <a:ea typeface="Malgun Gothic"/>
-              <a:cs typeface="Malgun Gothic"/>
-              <a:sym typeface="Malgun Gothic"/>
-            </a:endParaRPr>
-          </a:p>
-        </p:txBody>
-      </p:sp>
-      <p:sp>
-        <p:nvSpPr>
-          <p:cNvPr id="182" name="Google Shape;182;p17"/>
-          <p:cNvSpPr/>
-          <p:nvPr/>
-        </p:nvSpPr>
-        <p:spPr>
-          <a:xfrm>
-            <a:off x="5878286" y="1304729"/>
-            <a:ext cx="1167900" cy="334800"/>
-          </a:xfrm>
-          <a:prstGeom prst="rect">
-            <a:avLst/>
-          </a:prstGeom>
-          <a:noFill/>
-          <a:ln cap="flat" cmpd="sng" w="12700">
-            <a:solidFill>
-              <a:schemeClr val="dk1"/>
-            </a:solidFill>
-            <a:prstDash val="solid"/>
-            <a:miter lim="800000"/>
-            <a:headEnd len="sm" w="sm" type="none"/>
-            <a:tailEnd len="sm" w="sm" type="none"/>
-          </a:ln>
-        </p:spPr>
-        <p:txBody>
-          <a:bodyPr anchorCtr="0" anchor="ctr" bIns="45700" lIns="91425" spcFirstLastPara="1" rIns="91425" wrap="square" tIns="45700">
-            <a:noAutofit/>
-          </a:bodyPr>
-          <a:lstStyle/>
-          <a:p>
-            <a:pPr indent="0" lvl="0" marL="0" marR="0" rtl="0" algn="ctr">
-              <a:spcBef>
-                <a:spcPts val="0"/>
-              </a:spcBef>
-              <a:spcAft>
-                <a:spcPts val="0"/>
-              </a:spcAft>
-              <a:buNone/>
-            </a:pPr>
-            <a:r>
-              <a:rPr lang="en-US" sz="1800">
-                <a:solidFill>
-                  <a:schemeClr val="dk1"/>
-                </a:solidFill>
-                <a:latin typeface="Malgun Gothic"/>
-                <a:ea typeface="Malgun Gothic"/>
-                <a:cs typeface="Malgun Gothic"/>
-                <a:sym typeface="Malgun Gothic"/>
-              </a:rPr>
-              <a:t>Past</a:t>
-            </a:r>
-            <a:endParaRPr sz="1800">
-              <a:solidFill>
-                <a:schemeClr val="dk1"/>
-              </a:solidFill>
-              <a:latin typeface="Malgun Gothic"/>
-              <a:ea typeface="Malgun Gothic"/>
-              <a:cs typeface="Malgun Gothic"/>
-              <a:sym typeface="Malgun Gothic"/>
-            </a:endParaRPr>
-          </a:p>
-        </p:txBody>
-      </p:sp>
-      <p:pic>
-        <p:nvPicPr>
-          <p:cNvPr id="183" name="Google Shape;183;p17"/>
-          <p:cNvPicPr preferRelativeResize="0"/>
-          <p:nvPr/>
-        </p:nvPicPr>
-        <p:blipFill rotWithShape="1">
-          <a:blip r:embed="rId4">
-            <a:alphaModFix/>
-          </a:blip>
-          <a:srcRect b="0" l="0" r="0" t="0"/>
-          <a:stretch/>
-        </p:blipFill>
-        <p:spPr>
-          <a:xfrm>
-            <a:off x="4776988" y="2127953"/>
-            <a:ext cx="3738363" cy="2119641"/>
-          </a:xfrm>
-          <a:prstGeom prst="rect">
-            <a:avLst/>
-          </a:prstGeom>
-          <a:noFill/>
-          <a:ln>
-            <a:noFill/>
-          </a:ln>
-        </p:spPr>
-      </p:pic>
-      <p:sp>
-        <p:nvSpPr>
-          <p:cNvPr id="184" name="Google Shape;184;p17"/>
-          <p:cNvSpPr txBox="1"/>
-          <p:nvPr/>
-        </p:nvSpPr>
-        <p:spPr>
-          <a:xfrm>
-            <a:off x="880574" y="2235625"/>
-            <a:ext cx="1528200" cy="307800"/>
-          </a:xfrm>
-          <a:prstGeom prst="rect">
-            <a:avLst/>
-          </a:prstGeom>
-          <a:noFill/>
-          <a:ln>
-            <a:noFill/>
-          </a:ln>
-        </p:spPr>
-        <p:txBody>
-          <a:bodyPr anchorCtr="0" anchor="t" bIns="45700" lIns="91425" spcFirstLastPara="1" rIns="91425" wrap="square" tIns="45700">
-            <a:spAutoFit/>
-          </a:bodyPr>
-          <a:lstStyle/>
-          <a:p>
-            <a:pPr indent="0" lvl="0" marL="0" marR="0" rtl="0" algn="l">
-              <a:spcBef>
-                <a:spcPts val="0"/>
-              </a:spcBef>
-              <a:spcAft>
-                <a:spcPts val="0"/>
-              </a:spcAft>
-              <a:buNone/>
-            </a:pPr>
-            <a:r>
-              <a:rPr b="1" lang="en-US" sz="1400">
-                <a:solidFill>
-                  <a:schemeClr val="dk1"/>
-                </a:solidFill>
-                <a:latin typeface="Malgun Gothic"/>
-                <a:ea typeface="Malgun Gothic"/>
-                <a:cs typeface="Malgun Gothic"/>
-                <a:sym typeface="Malgun Gothic"/>
-              </a:rPr>
-              <a:t>Student’s List</a:t>
-            </a:r>
-            <a:endParaRPr b="1" sz="1400">
-              <a:solidFill>
-                <a:schemeClr val="dk1"/>
-              </a:solidFill>
-              <a:latin typeface="Malgun Gothic"/>
-              <a:ea typeface="Malgun Gothic"/>
-              <a:cs typeface="Malgun Gothic"/>
-              <a:sym typeface="Malgun Gothic"/>
-            </a:endParaRPr>
-          </a:p>
-        </p:txBody>
-      </p:sp>
-      <p:sp>
-        <p:nvSpPr>
-          <p:cNvPr id="185" name="Google Shape;185;p17"/>
-          <p:cNvSpPr/>
-          <p:nvPr/>
-        </p:nvSpPr>
-        <p:spPr>
-          <a:xfrm>
-            <a:off x="2418444" y="2610523"/>
-            <a:ext cx="1528200" cy="1637100"/>
-          </a:xfrm>
-          <a:prstGeom prst="rect">
-            <a:avLst/>
-          </a:prstGeom>
-          <a:noFill/>
-          <a:ln cap="flat" cmpd="sng" w="12700">
-            <a:solidFill>
-              <a:schemeClr val="dk1"/>
-            </a:solidFill>
-            <a:prstDash val="solid"/>
-            <a:miter lim="800000"/>
-            <a:headEnd len="sm" w="sm" type="none"/>
-            <a:tailEnd len="sm" w="sm" type="none"/>
-          </a:ln>
-        </p:spPr>
-        <p:txBody>
-          <a:bodyPr anchorCtr="0" anchor="ctr" bIns="45700" lIns="91425" spcFirstLastPara="1" rIns="91425" wrap="square" tIns="45700">
-            <a:noAutofit/>
-          </a:bodyPr>
-          <a:lstStyle/>
-          <a:p>
-            <a:pPr indent="0" lvl="0" marL="0" marR="0" rtl="0" algn="ctr">
-              <a:spcBef>
-                <a:spcPts val="0"/>
-              </a:spcBef>
-              <a:spcAft>
-                <a:spcPts val="0"/>
-              </a:spcAft>
-              <a:buNone/>
-            </a:pPr>
-            <a:r>
-              <a:t/>
-            </a:r>
-            <a:endParaRPr sz="1800">
-              <a:solidFill>
-                <a:schemeClr val="lt1"/>
-              </a:solidFill>
-              <a:latin typeface="Malgun Gothic"/>
-              <a:ea typeface="Malgun Gothic"/>
-              <a:cs typeface="Malgun Gothic"/>
-              <a:sym typeface="Malgun Gothic"/>
-            </a:endParaRPr>
-          </a:p>
-        </p:txBody>
-      </p:sp>
-      <p:sp>
-        <p:nvSpPr>
-          <p:cNvPr id="186" name="Google Shape;186;p17"/>
-          <p:cNvSpPr txBox="1"/>
-          <p:nvPr/>
-        </p:nvSpPr>
-        <p:spPr>
-          <a:xfrm>
-            <a:off x="2306020" y="2235625"/>
-            <a:ext cx="1640700" cy="307800"/>
-          </a:xfrm>
-          <a:prstGeom prst="rect">
-            <a:avLst/>
-          </a:prstGeom>
-          <a:noFill/>
-          <a:ln>
-            <a:noFill/>
-          </a:ln>
-        </p:spPr>
-        <p:txBody>
-          <a:bodyPr anchorCtr="0" anchor="t" bIns="45700" lIns="91425" spcFirstLastPara="1" rIns="91425" wrap="square" tIns="45700">
-            <a:spAutoFit/>
-          </a:bodyPr>
-          <a:lstStyle/>
-          <a:p>
-            <a:pPr indent="0" lvl="0" marL="0" marR="0" rtl="0" algn="l">
-              <a:spcBef>
-                <a:spcPts val="0"/>
-              </a:spcBef>
-              <a:spcAft>
-                <a:spcPts val="0"/>
-              </a:spcAft>
-              <a:buNone/>
-            </a:pPr>
-            <a:r>
-              <a:rPr b="1" lang="en-US" sz="1400">
-                <a:solidFill>
-                  <a:schemeClr val="dk1"/>
-                </a:solidFill>
-                <a:latin typeface="Malgun Gothic"/>
-                <a:ea typeface="Malgun Gothic"/>
-                <a:cs typeface="Malgun Gothic"/>
-                <a:sym typeface="Malgun Gothic"/>
-              </a:rPr>
-              <a:t>Attendance Time</a:t>
-            </a:r>
-            <a:endParaRPr b="1" sz="1400">
-              <a:solidFill>
-                <a:schemeClr val="dk1"/>
-              </a:solidFill>
-              <a:latin typeface="Malgun Gothic"/>
-              <a:ea typeface="Malgun Gothic"/>
-              <a:cs typeface="Malgun Gothic"/>
-              <a:sym typeface="Malgun Gothic"/>
-            </a:endParaRPr>
-          </a:p>
-        </p:txBody>
-      </p:sp>
-      <p:sp>
-        <p:nvSpPr>
-          <p:cNvPr id="187" name="Google Shape;187;p17"/>
-          <p:cNvSpPr txBox="1"/>
-          <p:nvPr/>
-        </p:nvSpPr>
-        <p:spPr>
-          <a:xfrm>
-            <a:off x="984752" y="2628792"/>
-            <a:ext cx="1217100" cy="1569900"/>
-          </a:xfrm>
-          <a:prstGeom prst="rect">
-            <a:avLst/>
-          </a:prstGeom>
-          <a:noFill/>
-          <a:ln>
-            <a:noFill/>
-          </a:ln>
-        </p:spPr>
-        <p:txBody>
-          <a:bodyPr anchorCtr="0" anchor="t" bIns="45700" lIns="91425" spcFirstLastPara="1" rIns="91425" wrap="square" tIns="45700">
-            <a:spAutoFit/>
-          </a:bodyPr>
-          <a:lstStyle/>
-          <a:p>
-            <a:pPr indent="-342900" lvl="0" marL="342900" marR="0" rtl="0" algn="l">
-              <a:spcBef>
-                <a:spcPts val="0"/>
-              </a:spcBef>
-              <a:spcAft>
-                <a:spcPts val="0"/>
-              </a:spcAft>
-              <a:buClr>
-                <a:schemeClr val="dk1"/>
-              </a:buClr>
-              <a:buSzPts val="1600"/>
-              <a:buFont typeface="Malgun Gothic"/>
-              <a:buAutoNum type="arabicPeriod"/>
-            </a:pPr>
-            <a:r>
-              <a:rPr lang="en-US" sz="1600">
-                <a:solidFill>
-                  <a:schemeClr val="dk1"/>
-                </a:solidFill>
-                <a:latin typeface="Malgun Gothic"/>
-                <a:ea typeface="Malgun Gothic"/>
-                <a:cs typeface="Malgun Gothic"/>
-                <a:sym typeface="Malgun Gothic"/>
-              </a:rPr>
-              <a:t>Cliff</a:t>
-            </a:r>
-            <a:endParaRPr/>
-          </a:p>
-          <a:p>
-            <a:pPr indent="-342900" lvl="0" marL="342900" marR="0" rtl="0" algn="l">
-              <a:spcBef>
-                <a:spcPts val="0"/>
-              </a:spcBef>
-              <a:spcAft>
-                <a:spcPts val="0"/>
-              </a:spcAft>
-              <a:buClr>
-                <a:schemeClr val="dk1"/>
-              </a:buClr>
-              <a:buSzPts val="1600"/>
-              <a:buFont typeface="Malgun Gothic"/>
-              <a:buAutoNum type="arabicPeriod"/>
-            </a:pPr>
-            <a:r>
-              <a:rPr lang="en-US" sz="1600">
-                <a:solidFill>
-                  <a:schemeClr val="dk1"/>
-                </a:solidFill>
-                <a:latin typeface="Malgun Gothic"/>
-                <a:ea typeface="Malgun Gothic"/>
-                <a:cs typeface="Malgun Gothic"/>
-                <a:sym typeface="Malgun Gothic"/>
-              </a:rPr>
-              <a:t>Jeff</a:t>
-            </a:r>
-            <a:endParaRPr/>
-          </a:p>
-          <a:p>
-            <a:pPr indent="-342900" lvl="0" marL="342900" marR="0" rtl="0" algn="l">
-              <a:spcBef>
-                <a:spcPts val="0"/>
-              </a:spcBef>
-              <a:spcAft>
-                <a:spcPts val="0"/>
-              </a:spcAft>
-              <a:buClr>
-                <a:schemeClr val="dk1"/>
-              </a:buClr>
-              <a:buSzPts val="1600"/>
-              <a:buFont typeface="Malgun Gothic"/>
-              <a:buAutoNum type="arabicPeriod"/>
-            </a:pPr>
-            <a:r>
-              <a:rPr lang="en-US" sz="1600">
-                <a:solidFill>
-                  <a:schemeClr val="dk1"/>
-                </a:solidFill>
-                <a:latin typeface="Malgun Gothic"/>
-                <a:ea typeface="Malgun Gothic"/>
-                <a:cs typeface="Malgun Gothic"/>
-                <a:sym typeface="Malgun Gothic"/>
-              </a:rPr>
-              <a:t>Dan</a:t>
-            </a:r>
-            <a:endParaRPr/>
-          </a:p>
-          <a:p>
-            <a:pPr indent="-342900" lvl="0" marL="342900" marR="0" rtl="0" algn="l">
-              <a:spcBef>
-                <a:spcPts val="0"/>
-              </a:spcBef>
-              <a:spcAft>
-                <a:spcPts val="0"/>
-              </a:spcAft>
-              <a:buClr>
-                <a:schemeClr val="dk1"/>
-              </a:buClr>
-              <a:buSzPts val="1600"/>
-              <a:buFont typeface="Malgun Gothic"/>
-              <a:buAutoNum type="arabicPeriod"/>
-            </a:pPr>
-            <a:r>
-              <a:rPr lang="en-US" sz="1600">
-                <a:solidFill>
-                  <a:schemeClr val="dk1"/>
-                </a:solidFill>
-                <a:latin typeface="Malgun Gothic"/>
-                <a:ea typeface="Malgun Gothic"/>
-                <a:cs typeface="Malgun Gothic"/>
-                <a:sym typeface="Malgun Gothic"/>
-              </a:rPr>
-              <a:t>Cathy</a:t>
-            </a:r>
-            <a:endParaRPr/>
-          </a:p>
-          <a:p>
-            <a:pPr indent="-342900" lvl="0" marL="342900" marR="0" rtl="0" algn="l">
-              <a:spcBef>
-                <a:spcPts val="0"/>
-              </a:spcBef>
-              <a:spcAft>
-                <a:spcPts val="0"/>
-              </a:spcAft>
-              <a:buClr>
-                <a:schemeClr val="dk1"/>
-              </a:buClr>
-              <a:buSzPts val="1600"/>
-              <a:buFont typeface="Malgun Gothic"/>
-              <a:buAutoNum type="arabicPeriod"/>
-            </a:pPr>
-            <a:r>
-              <a:rPr lang="en-US" sz="1600">
-                <a:solidFill>
-                  <a:schemeClr val="dk1"/>
-                </a:solidFill>
-                <a:latin typeface="Malgun Gothic"/>
-                <a:ea typeface="Malgun Gothic"/>
-                <a:cs typeface="Malgun Gothic"/>
-                <a:sym typeface="Malgun Gothic"/>
-              </a:rPr>
-              <a:t>David</a:t>
-            </a:r>
-            <a:endParaRPr/>
-          </a:p>
-          <a:p>
-            <a:pPr indent="-342900" lvl="0" marL="342900" marR="0" rtl="0" algn="l">
-              <a:spcBef>
-                <a:spcPts val="0"/>
-              </a:spcBef>
-              <a:spcAft>
-                <a:spcPts val="0"/>
-              </a:spcAft>
-              <a:buClr>
-                <a:schemeClr val="dk1"/>
-              </a:buClr>
-              <a:buSzPts val="1600"/>
-              <a:buFont typeface="Malgun Gothic"/>
-              <a:buAutoNum type="arabicPeriod"/>
-            </a:pPr>
-            <a:r>
-              <a:rPr lang="en-US" sz="1600">
-                <a:solidFill>
-                  <a:schemeClr val="dk1"/>
-                </a:solidFill>
-                <a:latin typeface="Malgun Gothic"/>
-                <a:ea typeface="Malgun Gothic"/>
-                <a:cs typeface="Malgun Gothic"/>
-                <a:sym typeface="Malgun Gothic"/>
-              </a:rPr>
-              <a:t>Bradley</a:t>
-            </a:r>
-            <a:endParaRPr/>
-          </a:p>
-        </p:txBody>
-      </p:sp>
-      <p:sp>
-        <p:nvSpPr>
-          <p:cNvPr id="188" name="Google Shape;188;p17"/>
-          <p:cNvSpPr txBox="1"/>
-          <p:nvPr/>
-        </p:nvSpPr>
-        <p:spPr>
-          <a:xfrm>
-            <a:off x="2509864" y="2628792"/>
-            <a:ext cx="1375500" cy="1569900"/>
-          </a:xfrm>
-          <a:prstGeom prst="rect">
-            <a:avLst/>
-          </a:prstGeom>
-          <a:noFill/>
-          <a:ln>
-            <a:noFill/>
-          </a:ln>
-        </p:spPr>
-        <p:txBody>
-          <a:bodyPr anchorCtr="0" anchor="t" bIns="45700" lIns="91425" spcFirstLastPara="1" rIns="91425" wrap="square" tIns="45700">
-            <a:spAutoFit/>
-          </a:bodyPr>
-          <a:lstStyle/>
-          <a:p>
-            <a:pPr indent="0" lvl="0" marL="0" marR="0" rtl="0" algn="l">
-              <a:spcBef>
-                <a:spcPts val="0"/>
-              </a:spcBef>
-              <a:spcAft>
-                <a:spcPts val="0"/>
-              </a:spcAft>
-              <a:buNone/>
-            </a:pPr>
-            <a:r>
-              <a:rPr lang="en-US" sz="1600">
-                <a:solidFill>
-                  <a:schemeClr val="dk1"/>
-                </a:solidFill>
-                <a:latin typeface="Malgun Gothic"/>
-                <a:ea typeface="Malgun Gothic"/>
-                <a:cs typeface="Malgun Gothic"/>
-                <a:sym typeface="Malgun Gothic"/>
-              </a:rPr>
-              <a:t>AM 8:00</a:t>
-            </a:r>
-            <a:endParaRPr/>
-          </a:p>
-          <a:p>
-            <a:pPr indent="0" lvl="0" marL="0" marR="0" rtl="0" algn="l">
-              <a:spcBef>
-                <a:spcPts val="0"/>
-              </a:spcBef>
-              <a:spcAft>
-                <a:spcPts val="0"/>
-              </a:spcAft>
-              <a:buNone/>
-            </a:pPr>
-            <a:r>
-              <a:rPr lang="en-US" sz="1600">
-                <a:solidFill>
-                  <a:schemeClr val="dk1"/>
-                </a:solidFill>
-                <a:latin typeface="Malgun Gothic"/>
-                <a:ea typeface="Malgun Gothic"/>
-                <a:cs typeface="Malgun Gothic"/>
-                <a:sym typeface="Malgun Gothic"/>
-              </a:rPr>
-              <a:t>AM 9:10 late</a:t>
-            </a:r>
-            <a:endParaRPr/>
-          </a:p>
-          <a:p>
-            <a:pPr indent="0" lvl="0" marL="0" marR="0" rtl="0" algn="l">
-              <a:spcBef>
-                <a:spcPts val="0"/>
-              </a:spcBef>
-              <a:spcAft>
-                <a:spcPts val="0"/>
-              </a:spcAft>
-              <a:buNone/>
-            </a:pPr>
-            <a:r>
-              <a:rPr lang="en-US" sz="1600">
-                <a:solidFill>
-                  <a:schemeClr val="dk1"/>
-                </a:solidFill>
-                <a:latin typeface="Malgun Gothic"/>
-                <a:ea typeface="Malgun Gothic"/>
-                <a:cs typeface="Malgun Gothic"/>
-                <a:sym typeface="Malgun Gothic"/>
-              </a:rPr>
-              <a:t>Absent</a:t>
-            </a:r>
-            <a:endParaRPr/>
-          </a:p>
-          <a:p>
-            <a:pPr indent="0" lvl="0" marL="0" marR="0" rtl="0" algn="l">
-              <a:spcBef>
-                <a:spcPts val="0"/>
-              </a:spcBef>
-              <a:spcAft>
-                <a:spcPts val="0"/>
-              </a:spcAft>
-              <a:buNone/>
-            </a:pPr>
-            <a:r>
-              <a:rPr lang="en-US" sz="1600">
-                <a:solidFill>
-                  <a:schemeClr val="dk1"/>
-                </a:solidFill>
-                <a:latin typeface="Malgun Gothic"/>
-                <a:ea typeface="Malgun Gothic"/>
-                <a:cs typeface="Malgun Gothic"/>
-                <a:sym typeface="Malgun Gothic"/>
-              </a:rPr>
-              <a:t>AM 8:30</a:t>
-            </a:r>
-            <a:endParaRPr/>
-          </a:p>
-          <a:p>
-            <a:pPr indent="0" lvl="0" marL="0" marR="0" rtl="0" algn="l">
-              <a:spcBef>
-                <a:spcPts val="0"/>
-              </a:spcBef>
-              <a:spcAft>
-                <a:spcPts val="0"/>
-              </a:spcAft>
-              <a:buNone/>
-            </a:pPr>
-            <a:r>
-              <a:rPr lang="en-US" sz="1600">
-                <a:solidFill>
-                  <a:schemeClr val="dk1"/>
-                </a:solidFill>
-                <a:latin typeface="Malgun Gothic"/>
-                <a:ea typeface="Malgun Gothic"/>
-                <a:cs typeface="Malgun Gothic"/>
-                <a:sym typeface="Malgun Gothic"/>
-              </a:rPr>
-              <a:t>AM 8:45</a:t>
-            </a:r>
-            <a:endParaRPr/>
-          </a:p>
-          <a:p>
-            <a:pPr indent="0" lvl="0" marL="0" marR="0" rtl="0" algn="l">
-              <a:spcBef>
-                <a:spcPts val="0"/>
-              </a:spcBef>
-              <a:spcAft>
-                <a:spcPts val="0"/>
-              </a:spcAft>
-              <a:buNone/>
-            </a:pPr>
-            <a:r>
-              <a:rPr lang="en-US" sz="1600">
-                <a:solidFill>
-                  <a:schemeClr val="dk1"/>
-                </a:solidFill>
-                <a:latin typeface="Malgun Gothic"/>
-                <a:ea typeface="Malgun Gothic"/>
-                <a:cs typeface="Malgun Gothic"/>
-                <a:sym typeface="Malgun Gothic"/>
-              </a:rPr>
-              <a:t>AM 8:45</a:t>
-            </a:r>
-            <a:endParaRPr/>
-          </a:p>
-        </p:txBody>
-      </p:sp>
-      <p:sp>
-        <p:nvSpPr>
-          <p:cNvPr id="189" name="Google Shape;189;p17"/>
-          <p:cNvSpPr txBox="1"/>
-          <p:nvPr/>
-        </p:nvSpPr>
-        <p:spPr>
-          <a:xfrm>
-            <a:off x="599029" y="774601"/>
-            <a:ext cx="4871100" cy="523200"/>
-          </a:xfrm>
-          <a:prstGeom prst="rect">
-            <a:avLst/>
-          </a:prstGeom>
-          <a:noFill/>
-          <a:ln>
-            <a:noFill/>
-          </a:ln>
-        </p:spPr>
-        <p:txBody>
-          <a:bodyPr anchorCtr="0" anchor="t" bIns="45700" lIns="91425" spcFirstLastPara="1" rIns="91425" wrap="square" tIns="45700">
-            <a:spAutoFit/>
-          </a:bodyPr>
-          <a:lstStyle/>
-          <a:p>
-            <a:pPr indent="0" lvl="0" marL="0" marR="0" rtl="0" algn="l">
-              <a:spcBef>
-                <a:spcPts val="0"/>
-              </a:spcBef>
-              <a:spcAft>
-                <a:spcPts val="0"/>
-              </a:spcAft>
-              <a:buNone/>
-            </a:pPr>
-            <a:r>
-              <a:rPr lang="en-US" sz="2800">
-                <a:solidFill>
-                  <a:schemeClr val="dk1"/>
-                </a:solidFill>
-                <a:latin typeface="Malgun Gothic"/>
-                <a:ea typeface="Malgun Gothic"/>
-                <a:cs typeface="Malgun Gothic"/>
-                <a:sym typeface="Malgun Gothic"/>
-              </a:rPr>
-              <a:t>AI Attendance Check System</a:t>
-            </a:r>
-            <a:endParaRPr sz="2800">
-              <a:solidFill>
-                <a:schemeClr val="dk1"/>
-              </a:solidFill>
-              <a:latin typeface="Malgun Gothic"/>
-              <a:ea typeface="Malgun Gothic"/>
-              <a:cs typeface="Malgun Gothic"/>
-              <a:sym typeface="Malgun Gothic"/>
-            </a:endParaRPr>
-          </a:p>
-        </p:txBody>
-      </p:sp>
-      <p:cxnSp>
-        <p:nvCxnSpPr>
-          <p:cNvPr id="190" name="Google Shape;190;p17"/>
-          <p:cNvCxnSpPr>
-            <a:stCxn id="178" idx="1"/>
-            <a:endCxn id="180" idx="2"/>
-          </p:cNvCxnSpPr>
-          <p:nvPr/>
-        </p:nvCxnSpPr>
-        <p:spPr>
-          <a:xfrm rot="10800000">
-            <a:off x="5294232" y="1639052"/>
-            <a:ext cx="3919200" cy="101100"/>
-          </a:xfrm>
-          <a:prstGeom prst="bentConnector2">
-            <a:avLst/>
-          </a:prstGeom>
-          <a:noFill/>
-          <a:ln cap="flat" cmpd="sng" w="9525">
-            <a:solidFill>
-              <a:schemeClr val="dk1"/>
-            </a:solidFill>
-            <a:prstDash val="solid"/>
-            <a:miter lim="800000"/>
-            <a:headEnd len="sm" w="sm" type="none"/>
-            <a:tailEnd len="med" w="med" type="triangle"/>
-          </a:ln>
-        </p:spPr>
-      </p:cxnSp>
-      <p:sp>
-        <p:nvSpPr>
-          <p:cNvPr id="191" name="Google Shape;191;p17"/>
-          <p:cNvSpPr/>
-          <p:nvPr/>
-        </p:nvSpPr>
-        <p:spPr>
-          <a:xfrm>
-            <a:off x="3641246" y="1477086"/>
-            <a:ext cx="166200" cy="165300"/>
-          </a:xfrm>
-          <a:prstGeom prst="triangle">
-            <a:avLst>
-              <a:gd fmla="val 50000" name="adj"/>
-            </a:avLst>
-          </a:prstGeom>
-          <a:noFill/>
-          <a:ln cap="flat" cmpd="sng" w="12700">
-            <a:solidFill>
-              <a:schemeClr val="dk1"/>
-            </a:solidFill>
-            <a:prstDash val="solid"/>
-            <a:miter lim="800000"/>
-            <a:headEnd len="sm" w="sm" type="none"/>
-            <a:tailEnd len="sm" w="sm" type="none"/>
-          </a:ln>
-        </p:spPr>
-        <p:txBody>
-          <a:bodyPr anchorCtr="0" anchor="ctr" bIns="45700" lIns="91425" spcFirstLastPara="1" rIns="91425" wrap="square" tIns="45700">
-            <a:noAutofit/>
-          </a:bodyPr>
-          <a:lstStyle/>
-          <a:p>
-            <a:pPr indent="0" lvl="0" marL="0" marR="0" rtl="0" algn="ctr">
-              <a:spcBef>
-                <a:spcPts val="0"/>
-              </a:spcBef>
-              <a:spcAft>
-                <a:spcPts val="0"/>
-              </a:spcAft>
-              <a:buNone/>
-            </a:pPr>
-            <a:r>
-              <a:t/>
-            </a:r>
-            <a:endParaRPr sz="1800">
-              <a:solidFill>
-                <a:schemeClr val="lt1"/>
-              </a:solidFill>
-              <a:latin typeface="Malgun Gothic"/>
-              <a:ea typeface="Malgun Gothic"/>
-              <a:cs typeface="Malgun Gothic"/>
-              <a:sym typeface="Malgun Gothic"/>
-            </a:endParaRPr>
-          </a:p>
-        </p:txBody>
-      </p:sp>
-      <p:sp>
-        <p:nvSpPr>
-          <p:cNvPr id="192" name="Google Shape;192;p17"/>
-          <p:cNvSpPr/>
-          <p:nvPr/>
-        </p:nvSpPr>
-        <p:spPr>
-          <a:xfrm flipH="1" rot="10800000">
-            <a:off x="3658288" y="1803201"/>
-            <a:ext cx="152400" cy="137100"/>
-          </a:xfrm>
-          <a:prstGeom prst="triangle">
-            <a:avLst>
-              <a:gd fmla="val 50000" name="adj"/>
-            </a:avLst>
-          </a:prstGeom>
-          <a:noFill/>
-          <a:ln cap="flat" cmpd="sng" w="12700">
-            <a:solidFill>
-              <a:schemeClr val="dk1"/>
-            </a:solidFill>
-            <a:prstDash val="solid"/>
-            <a:miter lim="800000"/>
-            <a:headEnd len="sm" w="sm" type="none"/>
-            <a:tailEnd len="sm" w="sm" type="none"/>
-          </a:ln>
-        </p:spPr>
-        <p:txBody>
-          <a:bodyPr anchorCtr="0" anchor="ctr" bIns="45700" lIns="91425" spcFirstLastPara="1" rIns="91425" wrap="square" tIns="45700">
-            <a:noAutofit/>
-          </a:bodyPr>
-          <a:lstStyle/>
-          <a:p>
-            <a:pPr indent="0" lvl="0" marL="0" marR="0" rtl="0" algn="ctr">
-              <a:spcBef>
-                <a:spcPts val="0"/>
-              </a:spcBef>
-              <a:spcAft>
-                <a:spcPts val="0"/>
-              </a:spcAft>
-              <a:buNone/>
-            </a:pPr>
-            <a:r>
-              <a:t/>
-            </a:r>
-            <a:endParaRPr sz="1800">
-              <a:solidFill>
-                <a:schemeClr val="lt1"/>
-              </a:solidFill>
-              <a:latin typeface="Malgun Gothic"/>
-              <a:ea typeface="Malgun Gothic"/>
-              <a:cs typeface="Malgun Gothic"/>
-              <a:sym typeface="Malgun Gothic"/>
-            </a:endParaRPr>
-          </a:p>
-        </p:txBody>
-      </p:sp>
-      <p:sp>
-        <p:nvSpPr>
-          <p:cNvPr id="193" name="Google Shape;193;p17"/>
-          <p:cNvSpPr txBox="1"/>
-          <p:nvPr/>
-        </p:nvSpPr>
-        <p:spPr>
-          <a:xfrm>
-            <a:off x="796405" y="1421269"/>
-            <a:ext cx="1295400" cy="585000"/>
-          </a:xfrm>
-          <a:prstGeom prst="rect">
-            <a:avLst/>
-          </a:prstGeom>
-          <a:noFill/>
-          <a:ln>
-            <a:noFill/>
-          </a:ln>
-        </p:spPr>
-        <p:txBody>
-          <a:bodyPr anchorCtr="0" anchor="t" bIns="45700" lIns="91425" spcFirstLastPara="1" rIns="91425" wrap="square" tIns="45700">
-            <a:spAutoFit/>
-          </a:bodyPr>
-          <a:lstStyle/>
-          <a:p>
-            <a:pPr indent="0" lvl="0" marL="0" marR="0" rtl="0" algn="ctr">
-              <a:spcBef>
-                <a:spcPts val="0"/>
-              </a:spcBef>
-              <a:spcAft>
-                <a:spcPts val="0"/>
-              </a:spcAft>
-              <a:buNone/>
-            </a:pPr>
-            <a:r>
-              <a:rPr b="1" lang="en-US" sz="1600">
-                <a:solidFill>
-                  <a:schemeClr val="dk1"/>
-                </a:solidFill>
-                <a:latin typeface="Malgun Gothic"/>
-                <a:ea typeface="Malgun Gothic"/>
-                <a:cs typeface="Malgun Gothic"/>
-                <a:sym typeface="Malgun Gothic"/>
-              </a:rPr>
-              <a:t>Attendance</a:t>
-            </a:r>
-            <a:endParaRPr/>
-          </a:p>
-          <a:p>
-            <a:pPr indent="0" lvl="0" marL="0" marR="0" rtl="0" algn="ctr">
-              <a:spcBef>
-                <a:spcPts val="0"/>
-              </a:spcBef>
-              <a:spcAft>
-                <a:spcPts val="0"/>
-              </a:spcAft>
-              <a:buNone/>
-            </a:pPr>
-            <a:r>
-              <a:rPr b="1" lang="en-US" sz="1600">
-                <a:solidFill>
-                  <a:schemeClr val="dk1"/>
-                </a:solidFill>
-                <a:latin typeface="Malgun Gothic"/>
-                <a:ea typeface="Malgun Gothic"/>
-                <a:cs typeface="Malgun Gothic"/>
-                <a:sym typeface="Malgun Gothic"/>
-              </a:rPr>
-              <a:t>Time</a:t>
-            </a:r>
-            <a:endParaRPr b="1" sz="1600">
-              <a:solidFill>
-                <a:schemeClr val="dk1"/>
-              </a:solidFill>
-              <a:latin typeface="Malgun Gothic"/>
-              <a:ea typeface="Malgun Gothic"/>
-              <a:cs typeface="Malgun Gothic"/>
-              <a:sym typeface="Malgun Gothic"/>
-            </a:endParaRPr>
-          </a:p>
-        </p:txBody>
-      </p:sp>
-      <p:sp>
-        <p:nvSpPr>
-          <p:cNvPr id="194" name="Google Shape;194;p17"/>
-          <p:cNvSpPr/>
-          <p:nvPr/>
-        </p:nvSpPr>
-        <p:spPr>
-          <a:xfrm>
-            <a:off x="2135484" y="1461167"/>
-            <a:ext cx="501900" cy="498300"/>
-          </a:xfrm>
-          <a:prstGeom prst="rect">
-            <a:avLst/>
-          </a:prstGeom>
-          <a:noFill/>
-          <a:ln cap="flat" cmpd="sng" w="12700">
-            <a:solidFill>
-              <a:schemeClr val="dk1"/>
-            </a:solidFill>
-            <a:prstDash val="solid"/>
-            <a:miter lim="800000"/>
-            <a:headEnd len="sm" w="sm" type="none"/>
-            <a:tailEnd len="sm" w="sm" type="none"/>
-          </a:ln>
-        </p:spPr>
-        <p:txBody>
-          <a:bodyPr anchorCtr="0" anchor="ctr" bIns="45700" lIns="91425" spcFirstLastPara="1" rIns="91425" wrap="square" tIns="45700">
-            <a:noAutofit/>
-          </a:bodyPr>
-          <a:lstStyle/>
-          <a:p>
-            <a:pPr indent="0" lvl="0" marL="0" marR="0" rtl="0" algn="ctr">
-              <a:spcBef>
-                <a:spcPts val="0"/>
-              </a:spcBef>
-              <a:spcAft>
-                <a:spcPts val="0"/>
-              </a:spcAft>
-              <a:buNone/>
-            </a:pPr>
-            <a:r>
-              <a:rPr lang="en-US" sz="1800">
-                <a:solidFill>
-                  <a:schemeClr val="dk1"/>
-                </a:solidFill>
-                <a:latin typeface="Malgun Gothic"/>
-                <a:ea typeface="Malgun Gothic"/>
-                <a:cs typeface="Malgun Gothic"/>
-                <a:sym typeface="Malgun Gothic"/>
-              </a:rPr>
-              <a:t>9</a:t>
-            </a:r>
-            <a:endParaRPr sz="1800">
-              <a:solidFill>
-                <a:schemeClr val="dk1"/>
-              </a:solidFill>
-              <a:latin typeface="Malgun Gothic"/>
-              <a:ea typeface="Malgun Gothic"/>
-              <a:cs typeface="Malgun Gothic"/>
-              <a:sym typeface="Malgun Gothic"/>
-            </a:endParaRPr>
-          </a:p>
-        </p:txBody>
-      </p:sp>
-      <p:sp>
-        <p:nvSpPr>
-          <p:cNvPr id="195" name="Google Shape;195;p17"/>
-          <p:cNvSpPr/>
-          <p:nvPr/>
-        </p:nvSpPr>
-        <p:spPr>
-          <a:xfrm>
-            <a:off x="2978891" y="1463703"/>
-            <a:ext cx="501900" cy="498300"/>
-          </a:xfrm>
-          <a:prstGeom prst="rect">
-            <a:avLst/>
-          </a:prstGeom>
-          <a:noFill/>
-          <a:ln cap="flat" cmpd="sng" w="12700">
-            <a:solidFill>
-              <a:schemeClr val="dk1"/>
-            </a:solidFill>
-            <a:prstDash val="solid"/>
-            <a:miter lim="800000"/>
-            <a:headEnd len="sm" w="sm" type="none"/>
-            <a:tailEnd len="sm" w="sm" type="none"/>
-          </a:ln>
-        </p:spPr>
-        <p:txBody>
-          <a:bodyPr anchorCtr="0" anchor="ctr" bIns="45700" lIns="91425" spcFirstLastPara="1" rIns="91425" wrap="square" tIns="45700">
-            <a:noAutofit/>
-          </a:bodyPr>
-          <a:lstStyle/>
-          <a:p>
-            <a:pPr indent="0" lvl="0" marL="0" marR="0" rtl="0" algn="ctr">
-              <a:spcBef>
-                <a:spcPts val="0"/>
-              </a:spcBef>
-              <a:spcAft>
-                <a:spcPts val="0"/>
-              </a:spcAft>
-              <a:buNone/>
-            </a:pPr>
-            <a:r>
-              <a:rPr lang="en-US" sz="1800">
-                <a:solidFill>
-                  <a:schemeClr val="dk1"/>
-                </a:solidFill>
-                <a:latin typeface="Malgun Gothic"/>
-                <a:ea typeface="Malgun Gothic"/>
-                <a:cs typeface="Malgun Gothic"/>
-                <a:sym typeface="Malgun Gothic"/>
-              </a:rPr>
-              <a:t>00</a:t>
-            </a:r>
-            <a:endParaRPr sz="1800">
-              <a:solidFill>
-                <a:schemeClr val="dk1"/>
-              </a:solidFill>
-              <a:latin typeface="Malgun Gothic"/>
-              <a:ea typeface="Malgun Gothic"/>
-              <a:cs typeface="Malgun Gothic"/>
-              <a:sym typeface="Malgun Gothic"/>
-            </a:endParaRPr>
-          </a:p>
-        </p:txBody>
-      </p:sp>
-      <p:sp>
-        <p:nvSpPr>
-          <p:cNvPr id="196" name="Google Shape;196;p17"/>
-          <p:cNvSpPr txBox="1"/>
-          <p:nvPr/>
-        </p:nvSpPr>
-        <p:spPr>
-          <a:xfrm>
-            <a:off x="2636901" y="1340802"/>
-            <a:ext cx="338700" cy="646500"/>
-          </a:xfrm>
-          <a:prstGeom prst="rect">
-            <a:avLst/>
-          </a:prstGeom>
-          <a:noFill/>
-          <a:ln>
-            <a:noFill/>
-          </a:ln>
-        </p:spPr>
-        <p:txBody>
-          <a:bodyPr anchorCtr="0" anchor="t" bIns="45700" lIns="91425" spcFirstLastPara="1" rIns="91425" wrap="square" tIns="45700">
-            <a:spAutoFit/>
-          </a:bodyPr>
-          <a:lstStyle/>
-          <a:p>
-            <a:pPr indent="0" lvl="0" marL="0" marR="0" rtl="0" algn="l">
-              <a:spcBef>
-                <a:spcPts val="0"/>
-              </a:spcBef>
-              <a:spcAft>
-                <a:spcPts val="0"/>
-              </a:spcAft>
-              <a:buNone/>
-            </a:pPr>
-            <a:r>
-              <a:rPr lang="en-US" sz="3600">
-                <a:solidFill>
-                  <a:schemeClr val="dk1"/>
-                </a:solidFill>
-                <a:latin typeface="Malgun Gothic"/>
-                <a:ea typeface="Malgun Gothic"/>
-                <a:cs typeface="Malgun Gothic"/>
-                <a:sym typeface="Malgun Gothic"/>
-              </a:rPr>
-              <a:t>:</a:t>
-            </a:r>
-            <a:endParaRPr sz="3600">
-              <a:solidFill>
-                <a:schemeClr val="dk1"/>
-              </a:solidFill>
-              <a:latin typeface="Malgun Gothic"/>
-              <a:ea typeface="Malgun Gothic"/>
-              <a:cs typeface="Malgun Gothic"/>
-              <a:sym typeface="Malgun Gothic"/>
-            </a:endParaRPr>
-          </a:p>
-        </p:txBody>
-      </p:sp>
-      <p:sp>
-        <p:nvSpPr>
-          <p:cNvPr id="197" name="Google Shape;197;p17"/>
-          <p:cNvSpPr/>
-          <p:nvPr/>
-        </p:nvSpPr>
-        <p:spPr>
-          <a:xfrm>
-            <a:off x="958731" y="4370240"/>
-            <a:ext cx="548400" cy="297000"/>
-          </a:xfrm>
-          <a:prstGeom prst="rect">
-            <a:avLst/>
-          </a:prstGeom>
-          <a:noFill/>
-          <a:ln cap="flat" cmpd="sng" w="12700">
-            <a:solidFill>
-              <a:schemeClr val="dk1"/>
-            </a:solidFill>
-            <a:prstDash val="solid"/>
-            <a:miter lim="800000"/>
-            <a:headEnd len="sm" w="sm" type="none"/>
-            <a:tailEnd len="sm" w="sm" type="none"/>
-          </a:ln>
-        </p:spPr>
-        <p:txBody>
-          <a:bodyPr anchorCtr="0" anchor="ctr" bIns="45700" lIns="91425" spcFirstLastPara="1" rIns="91425" wrap="square" tIns="45700">
-            <a:noAutofit/>
-          </a:bodyPr>
-          <a:lstStyle/>
-          <a:p>
-            <a:pPr indent="0" lvl="0" marL="0" marR="0" rtl="0" algn="ctr">
-              <a:spcBef>
-                <a:spcPts val="0"/>
-              </a:spcBef>
-              <a:spcAft>
-                <a:spcPts val="0"/>
-              </a:spcAft>
-              <a:buNone/>
-            </a:pPr>
-            <a:r>
-              <a:rPr lang="en-US" sz="1200">
-                <a:solidFill>
-                  <a:schemeClr val="dk1"/>
-                </a:solidFill>
-                <a:latin typeface="Malgun Gothic"/>
-                <a:ea typeface="Malgun Gothic"/>
-                <a:cs typeface="Malgun Gothic"/>
-                <a:sym typeface="Malgun Gothic"/>
-              </a:rPr>
-              <a:t>Start</a:t>
-            </a:r>
-            <a:endParaRPr sz="1200">
-              <a:solidFill>
-                <a:schemeClr val="dk1"/>
-              </a:solidFill>
-              <a:latin typeface="Malgun Gothic"/>
-              <a:ea typeface="Malgun Gothic"/>
-              <a:cs typeface="Malgun Gothic"/>
-              <a:sym typeface="Malgun Gothic"/>
-            </a:endParaRPr>
-          </a:p>
-        </p:txBody>
-      </p:sp>
-      <p:sp>
-        <p:nvSpPr>
-          <p:cNvPr id="198" name="Google Shape;198;p17"/>
-          <p:cNvSpPr/>
-          <p:nvPr/>
-        </p:nvSpPr>
-        <p:spPr>
-          <a:xfrm>
-            <a:off x="1685404" y="4370240"/>
-            <a:ext cx="548400" cy="297000"/>
-          </a:xfrm>
-          <a:prstGeom prst="rect">
-            <a:avLst/>
-          </a:prstGeom>
-          <a:noFill/>
-          <a:ln cap="flat" cmpd="sng" w="12700">
-            <a:solidFill>
-              <a:schemeClr val="dk1"/>
-            </a:solidFill>
-            <a:prstDash val="solid"/>
-            <a:miter lim="800000"/>
-            <a:headEnd len="sm" w="sm" type="none"/>
-            <a:tailEnd len="sm" w="sm" type="none"/>
-          </a:ln>
-        </p:spPr>
-        <p:txBody>
-          <a:bodyPr anchorCtr="0" anchor="ctr" bIns="45700" lIns="91425" spcFirstLastPara="1" rIns="91425" wrap="square" tIns="45700">
-            <a:noAutofit/>
-          </a:bodyPr>
-          <a:lstStyle/>
-          <a:p>
-            <a:pPr indent="0" lvl="0" marL="0" marR="0" rtl="0" algn="ctr">
-              <a:spcBef>
-                <a:spcPts val="0"/>
-              </a:spcBef>
-              <a:spcAft>
-                <a:spcPts val="0"/>
-              </a:spcAft>
-              <a:buNone/>
-            </a:pPr>
-            <a:r>
-              <a:rPr lang="en-US" sz="1200">
-                <a:solidFill>
-                  <a:schemeClr val="dk1"/>
-                </a:solidFill>
-                <a:latin typeface="Malgun Gothic"/>
-                <a:ea typeface="Malgun Gothic"/>
-                <a:cs typeface="Malgun Gothic"/>
-                <a:sym typeface="Malgun Gothic"/>
-              </a:rPr>
-              <a:t>End</a:t>
-            </a:r>
-            <a:endParaRPr sz="1200">
-              <a:solidFill>
-                <a:schemeClr val="dk1"/>
-              </a:solidFill>
-              <a:latin typeface="Malgun Gothic"/>
-              <a:ea typeface="Malgun Gothic"/>
-              <a:cs typeface="Malgun Gothic"/>
-              <a:sym typeface="Malgun Gothic"/>
-            </a:endParaRPr>
-          </a:p>
-        </p:txBody>
-      </p:sp>
-      <p:sp>
-        <p:nvSpPr>
-          <p:cNvPr id="199" name="Google Shape;199;p17"/>
-          <p:cNvSpPr/>
-          <p:nvPr/>
-        </p:nvSpPr>
-        <p:spPr>
-          <a:xfrm>
-            <a:off x="2406877" y="4369822"/>
-            <a:ext cx="548400" cy="297000"/>
-          </a:xfrm>
-          <a:prstGeom prst="rect">
-            <a:avLst/>
-          </a:prstGeom>
-          <a:noFill/>
-          <a:ln cap="flat" cmpd="sng" w="12700">
-            <a:solidFill>
-              <a:schemeClr val="dk1"/>
-            </a:solidFill>
-            <a:prstDash val="solid"/>
-            <a:miter lim="800000"/>
-            <a:headEnd len="sm" w="sm" type="none"/>
-            <a:tailEnd len="sm" w="sm" type="none"/>
-          </a:ln>
-        </p:spPr>
-        <p:txBody>
-          <a:bodyPr anchorCtr="0" anchor="ctr" bIns="45700" lIns="91425" spcFirstLastPara="1" rIns="91425" wrap="square" tIns="45700">
-            <a:noAutofit/>
-          </a:bodyPr>
-          <a:lstStyle/>
-          <a:p>
-            <a:pPr indent="0" lvl="0" marL="0" marR="0" rtl="0" algn="ctr">
-              <a:spcBef>
-                <a:spcPts val="0"/>
-              </a:spcBef>
-              <a:spcAft>
-                <a:spcPts val="0"/>
-              </a:spcAft>
-              <a:buNone/>
-            </a:pPr>
-            <a:r>
-              <a:rPr lang="en-US" sz="1200">
-                <a:solidFill>
-                  <a:schemeClr val="dk1"/>
-                </a:solidFill>
-                <a:latin typeface="Malgun Gothic"/>
-                <a:ea typeface="Malgun Gothic"/>
-                <a:cs typeface="Malgun Gothic"/>
-                <a:sym typeface="Malgun Gothic"/>
-              </a:rPr>
-              <a:t>Clear</a:t>
-            </a:r>
-            <a:endParaRPr sz="1200">
-              <a:solidFill>
-                <a:schemeClr val="dk1"/>
-              </a:solidFill>
-              <a:latin typeface="Malgun Gothic"/>
-              <a:ea typeface="Malgun Gothic"/>
-              <a:cs typeface="Malgun Gothic"/>
-              <a:sym typeface="Malgun Gothic"/>
-            </a:endParaRPr>
-          </a:p>
-        </p:txBody>
-      </p:sp>
-      <p:sp>
-        <p:nvSpPr>
-          <p:cNvPr id="200" name="Google Shape;200;p17"/>
-          <p:cNvSpPr txBox="1"/>
-          <p:nvPr/>
-        </p:nvSpPr>
-        <p:spPr>
-          <a:xfrm>
-            <a:off x="9262200" y="1894475"/>
-            <a:ext cx="2716800" cy="1350000"/>
-          </a:xfrm>
-          <a:prstGeom prst="rect">
-            <a:avLst/>
-          </a:prstGeom>
-          <a:noFill/>
-          <a:ln>
-            <a:noFill/>
-          </a:ln>
-        </p:spPr>
-        <p:txBody>
-          <a:bodyPr anchorCtr="0" anchor="t" bIns="91425" lIns="91425" spcFirstLastPara="1" rIns="91425" wrap="square" tIns="91425">
-            <a:spAutoFit/>
-          </a:bodyPr>
-          <a:lstStyle/>
-          <a:p>
-            <a:pPr indent="0" lvl="0" marL="0" marR="38100" rtl="0" algn="l">
-              <a:lnSpc>
-                <a:spcPct val="128571"/>
-              </a:lnSpc>
-              <a:spcBef>
-                <a:spcPts val="0"/>
-              </a:spcBef>
-              <a:spcAft>
-                <a:spcPts val="0"/>
-              </a:spcAft>
-              <a:buNone/>
-            </a:pPr>
-            <a:r>
-              <a:rPr lang="en-US" sz="1200">
-                <a:solidFill>
-                  <a:srgbClr val="202124"/>
-                </a:solidFill>
-                <a:highlight>
-                  <a:srgbClr val="F8F9FA"/>
-                </a:highlight>
-              </a:rPr>
-              <a:t>This is a mode to check attendance live. Attendance, lateness, and absence will be determined based on attendance time.</a:t>
-            </a:r>
-            <a:endParaRPr sz="1200">
-              <a:solidFill>
-                <a:srgbClr val="202124"/>
-              </a:solidFill>
-              <a:highlight>
-                <a:srgbClr val="F8F9FA"/>
-              </a:highlight>
-            </a:endParaRPr>
-          </a:p>
-          <a:p>
-            <a:pPr indent="0" lvl="0" marL="0" rtl="0" algn="l">
-              <a:spcBef>
-                <a:spcPts val="0"/>
-              </a:spcBef>
-              <a:spcAft>
-                <a:spcPts val="0"/>
-              </a:spcAft>
-              <a:buNone/>
-            </a:pPr>
-            <a:r>
-              <a:t/>
-            </a:r>
-            <a:endParaRPr>
-              <a:latin typeface="Malgun Gothic"/>
-              <a:ea typeface="Malgun Gothic"/>
-              <a:cs typeface="Malgun Gothic"/>
-              <a:sym typeface="Malgun Gothic"/>
-            </a:endParaRPr>
-          </a:p>
-        </p:txBody>
-      </p:sp>
-      <p:sp>
-        <p:nvSpPr>
-          <p:cNvPr id="201" name="Google Shape;201;p17"/>
-          <p:cNvSpPr txBox="1"/>
-          <p:nvPr/>
-        </p:nvSpPr>
-        <p:spPr>
-          <a:xfrm>
-            <a:off x="1685407" y="5097077"/>
-            <a:ext cx="800400" cy="369300"/>
-          </a:xfrm>
-          <a:prstGeom prst="rect">
-            <a:avLst/>
-          </a:prstGeom>
-          <a:noFill/>
-          <a:ln>
-            <a:noFill/>
-          </a:ln>
-        </p:spPr>
-        <p:txBody>
-          <a:bodyPr anchorCtr="0" anchor="t" bIns="45700" lIns="91425" spcFirstLastPara="1" rIns="91425" wrap="square" tIns="45700">
-            <a:spAutoFit/>
-          </a:bodyPr>
-          <a:lstStyle/>
-          <a:p>
-            <a:pPr indent="0" lvl="0" marL="0" marR="0" rtl="0" algn="l">
-              <a:spcBef>
-                <a:spcPts val="0"/>
-              </a:spcBef>
-              <a:spcAft>
-                <a:spcPts val="0"/>
-              </a:spcAft>
-              <a:buNone/>
-            </a:pPr>
-            <a:r>
-              <a:rPr lang="en-US" sz="1800">
-                <a:solidFill>
-                  <a:schemeClr val="dk1"/>
-                </a:solidFill>
-                <a:latin typeface="Malgun Gothic"/>
-                <a:ea typeface="Malgun Gothic"/>
-                <a:cs typeface="Malgun Gothic"/>
-                <a:sym typeface="Malgun Gothic"/>
-              </a:rPr>
-              <a:t>Start </a:t>
-            </a:r>
-            <a:endParaRPr sz="1800">
-              <a:solidFill>
-                <a:schemeClr val="dk1"/>
-              </a:solidFill>
-              <a:latin typeface="Malgun Gothic"/>
-              <a:ea typeface="Malgun Gothic"/>
-              <a:cs typeface="Malgun Gothic"/>
-              <a:sym typeface="Malgun Gothic"/>
-            </a:endParaRPr>
-          </a:p>
-        </p:txBody>
-      </p:sp>
-      <p:sp>
-        <p:nvSpPr>
-          <p:cNvPr id="202" name="Google Shape;202;p17"/>
-          <p:cNvSpPr txBox="1"/>
-          <p:nvPr/>
-        </p:nvSpPr>
-        <p:spPr>
-          <a:xfrm>
-            <a:off x="1871488" y="5407900"/>
-            <a:ext cx="2716800" cy="1587600"/>
-          </a:xfrm>
-          <a:prstGeom prst="rect">
-            <a:avLst/>
-          </a:prstGeom>
-          <a:noFill/>
-          <a:ln>
-            <a:noFill/>
-          </a:ln>
-        </p:spPr>
-        <p:txBody>
-          <a:bodyPr anchorCtr="0" anchor="t" bIns="91425" lIns="91425" spcFirstLastPara="1" rIns="91425" wrap="square" tIns="91425">
-            <a:spAutoFit/>
-          </a:bodyPr>
-          <a:lstStyle/>
-          <a:p>
-            <a:pPr indent="0" lvl="0" marL="0" marR="38100" rtl="0" algn="l">
-              <a:lnSpc>
-                <a:spcPct val="128571"/>
-              </a:lnSpc>
-              <a:spcBef>
-                <a:spcPts val="0"/>
-              </a:spcBef>
-              <a:spcAft>
-                <a:spcPts val="0"/>
-              </a:spcAft>
-              <a:buNone/>
-            </a:pPr>
-            <a:r>
-              <a:rPr lang="en-US" sz="1200">
-                <a:solidFill>
-                  <a:srgbClr val="202124"/>
-                </a:solidFill>
-                <a:highlight>
-                  <a:srgbClr val="F8F9FA"/>
-                </a:highlight>
-              </a:rPr>
-              <a:t>This is the menu to start attendance mode. When you start attendance mode, it is automatically saved as a video. Later, the administrator can check attendance through this video.</a:t>
-            </a:r>
-            <a:endParaRPr sz="1200">
-              <a:solidFill>
-                <a:srgbClr val="202124"/>
-              </a:solidFill>
-              <a:highlight>
-                <a:srgbClr val="F8F9FA"/>
-              </a:highlight>
-            </a:endParaRPr>
-          </a:p>
-          <a:p>
-            <a:pPr indent="0" lvl="0" marL="0" rtl="0" algn="l">
-              <a:spcBef>
-                <a:spcPts val="0"/>
-              </a:spcBef>
-              <a:spcAft>
-                <a:spcPts val="0"/>
-              </a:spcAft>
-              <a:buNone/>
-            </a:pPr>
-            <a:r>
-              <a:t/>
-            </a:r>
-            <a:endParaRPr>
-              <a:latin typeface="Malgun Gothic"/>
-              <a:ea typeface="Malgun Gothic"/>
-              <a:cs typeface="Malgun Gothic"/>
-              <a:sym typeface="Malgun Gothic"/>
-            </a:endParaRPr>
-          </a:p>
-        </p:txBody>
-      </p:sp>
-      <p:cxnSp>
-        <p:nvCxnSpPr>
-          <p:cNvPr id="203" name="Google Shape;203;p17"/>
-          <p:cNvCxnSpPr>
-            <a:stCxn id="201" idx="1"/>
-            <a:endCxn id="197" idx="2"/>
-          </p:cNvCxnSpPr>
-          <p:nvPr/>
-        </p:nvCxnSpPr>
-        <p:spPr>
-          <a:xfrm rot="10800000">
-            <a:off x="1233007" y="4667327"/>
-            <a:ext cx="452400" cy="614400"/>
-          </a:xfrm>
-          <a:prstGeom prst="bentConnector2">
-            <a:avLst/>
-          </a:prstGeom>
-          <a:noFill/>
-          <a:ln cap="flat" cmpd="sng" w="9525">
-            <a:solidFill>
-              <a:schemeClr val="dk2"/>
-            </a:solidFill>
-            <a:prstDash val="solid"/>
-            <a:round/>
-            <a:headEnd len="med" w="med" type="none"/>
-            <a:tailEnd len="med" w="med" type="triangle"/>
-          </a:ln>
-        </p:spPr>
-      </p:cxnSp>
-      <p:sp>
-        <p:nvSpPr>
-          <p:cNvPr id="204" name="Google Shape;204;p17"/>
-          <p:cNvSpPr txBox="1"/>
-          <p:nvPr/>
-        </p:nvSpPr>
-        <p:spPr>
-          <a:xfrm>
-            <a:off x="9213432" y="3003302"/>
-            <a:ext cx="800400" cy="369300"/>
-          </a:xfrm>
-          <a:prstGeom prst="rect">
-            <a:avLst/>
-          </a:prstGeom>
-          <a:noFill/>
-          <a:ln>
-            <a:noFill/>
-          </a:ln>
-        </p:spPr>
-        <p:txBody>
-          <a:bodyPr anchorCtr="0" anchor="t" bIns="45700" lIns="91425" spcFirstLastPara="1" rIns="91425" wrap="square" tIns="45700">
-            <a:spAutoFit/>
-          </a:bodyPr>
-          <a:lstStyle/>
-          <a:p>
-            <a:pPr indent="0" lvl="0" marL="0" marR="0" rtl="0" algn="l">
-              <a:spcBef>
-                <a:spcPts val="0"/>
-              </a:spcBef>
-              <a:spcAft>
-                <a:spcPts val="0"/>
-              </a:spcAft>
-              <a:buNone/>
-            </a:pPr>
-            <a:r>
-              <a:rPr lang="en-US" sz="1800">
-                <a:solidFill>
-                  <a:schemeClr val="dk1"/>
-                </a:solidFill>
-                <a:latin typeface="Malgun Gothic"/>
-                <a:ea typeface="Malgun Gothic"/>
-                <a:cs typeface="Malgun Gothic"/>
-                <a:sym typeface="Malgun Gothic"/>
-              </a:rPr>
-              <a:t>Past : </a:t>
-            </a:r>
-            <a:endParaRPr sz="1800">
-              <a:solidFill>
-                <a:schemeClr val="dk1"/>
-              </a:solidFill>
-              <a:latin typeface="Malgun Gothic"/>
-              <a:ea typeface="Malgun Gothic"/>
-              <a:cs typeface="Malgun Gothic"/>
-              <a:sym typeface="Malgun Gothic"/>
-            </a:endParaRPr>
-          </a:p>
-        </p:txBody>
-      </p:sp>
-      <p:sp>
-        <p:nvSpPr>
-          <p:cNvPr id="205" name="Google Shape;205;p17"/>
-          <p:cNvSpPr txBox="1"/>
-          <p:nvPr/>
-        </p:nvSpPr>
-        <p:spPr>
-          <a:xfrm>
-            <a:off x="9262200" y="3342275"/>
-            <a:ext cx="2716800" cy="1587600"/>
-          </a:xfrm>
-          <a:prstGeom prst="rect">
-            <a:avLst/>
-          </a:prstGeom>
-          <a:noFill/>
-          <a:ln>
-            <a:noFill/>
-          </a:ln>
-        </p:spPr>
-        <p:txBody>
-          <a:bodyPr anchorCtr="0" anchor="t" bIns="91425" lIns="91425" spcFirstLastPara="1" rIns="91425" wrap="square" tIns="91425">
-            <a:spAutoFit/>
-          </a:bodyPr>
-          <a:lstStyle/>
-          <a:p>
-            <a:pPr indent="0" lvl="0" marL="0" marR="38100" rtl="0" algn="l">
-              <a:lnSpc>
-                <a:spcPct val="128571"/>
-              </a:lnSpc>
-              <a:spcBef>
-                <a:spcPts val="0"/>
-              </a:spcBef>
-              <a:spcAft>
-                <a:spcPts val="0"/>
-              </a:spcAft>
-              <a:buNone/>
-            </a:pPr>
-            <a:r>
-              <a:rPr lang="en-US" sz="1200">
-                <a:solidFill>
-                  <a:srgbClr val="202124"/>
-                </a:solidFill>
-                <a:highlight>
-                  <a:srgbClr val="F8F9FA"/>
-                </a:highlight>
-              </a:rPr>
-              <a:t>This is a mode to check attendance through videos saved in the past. Attendance, lateness, and absence will be determined based on attendance time.</a:t>
-            </a:r>
-            <a:endParaRPr sz="1200">
-              <a:solidFill>
-                <a:srgbClr val="202124"/>
-              </a:solidFill>
-              <a:highlight>
-                <a:srgbClr val="F8F9FA"/>
-              </a:highlight>
-            </a:endParaRPr>
-          </a:p>
-          <a:p>
-            <a:pPr indent="0" lvl="0" marL="0" rtl="0" algn="l">
-              <a:spcBef>
-                <a:spcPts val="0"/>
-              </a:spcBef>
-              <a:spcAft>
-                <a:spcPts val="0"/>
-              </a:spcAft>
-              <a:buNone/>
-            </a:pPr>
-            <a:r>
-              <a:t/>
-            </a:r>
-            <a:endParaRPr>
-              <a:latin typeface="Malgun Gothic"/>
-              <a:ea typeface="Malgun Gothic"/>
-              <a:cs typeface="Malgun Gothic"/>
-              <a:sym typeface="Malgun Gothic"/>
-            </a:endParaRPr>
-          </a:p>
-        </p:txBody>
-      </p:sp>
-      <p:sp>
-        <p:nvSpPr>
-          <p:cNvPr id="206" name="Google Shape;206;p17"/>
-          <p:cNvSpPr txBox="1"/>
-          <p:nvPr/>
-        </p:nvSpPr>
-        <p:spPr>
-          <a:xfrm>
-            <a:off x="4504807" y="5097077"/>
-            <a:ext cx="800400" cy="369300"/>
-          </a:xfrm>
-          <a:prstGeom prst="rect">
-            <a:avLst/>
-          </a:prstGeom>
-          <a:noFill/>
-          <a:ln>
-            <a:noFill/>
-          </a:ln>
-        </p:spPr>
-        <p:txBody>
-          <a:bodyPr anchorCtr="0" anchor="t" bIns="45700" lIns="91425" spcFirstLastPara="1" rIns="91425" wrap="square" tIns="45700">
-            <a:spAutoFit/>
-          </a:bodyPr>
-          <a:lstStyle/>
-          <a:p>
-            <a:pPr indent="0" lvl="0" marL="0" marR="0" rtl="0" algn="l">
-              <a:spcBef>
-                <a:spcPts val="0"/>
-              </a:spcBef>
-              <a:spcAft>
-                <a:spcPts val="0"/>
-              </a:spcAft>
-              <a:buNone/>
-            </a:pPr>
-            <a:r>
-              <a:rPr lang="en-US" sz="1800">
-                <a:solidFill>
-                  <a:schemeClr val="dk1"/>
-                </a:solidFill>
-                <a:latin typeface="Malgun Gothic"/>
-                <a:ea typeface="Malgun Gothic"/>
-                <a:cs typeface="Malgun Gothic"/>
-                <a:sym typeface="Malgun Gothic"/>
-              </a:rPr>
-              <a:t>End </a:t>
-            </a:r>
-            <a:endParaRPr sz="1800">
-              <a:solidFill>
-                <a:schemeClr val="dk1"/>
-              </a:solidFill>
-              <a:latin typeface="Malgun Gothic"/>
-              <a:ea typeface="Malgun Gothic"/>
-              <a:cs typeface="Malgun Gothic"/>
-              <a:sym typeface="Malgun Gothic"/>
-            </a:endParaRPr>
-          </a:p>
-        </p:txBody>
-      </p:sp>
-      <p:sp>
-        <p:nvSpPr>
-          <p:cNvPr id="207" name="Google Shape;207;p17"/>
-          <p:cNvSpPr txBox="1"/>
-          <p:nvPr/>
-        </p:nvSpPr>
-        <p:spPr>
-          <a:xfrm>
-            <a:off x="4690888" y="5407900"/>
-            <a:ext cx="2716800" cy="1350000"/>
-          </a:xfrm>
-          <a:prstGeom prst="rect">
-            <a:avLst/>
-          </a:prstGeom>
-          <a:noFill/>
-          <a:ln>
-            <a:noFill/>
-          </a:ln>
-        </p:spPr>
-        <p:txBody>
-          <a:bodyPr anchorCtr="0" anchor="t" bIns="91425" lIns="91425" spcFirstLastPara="1" rIns="91425" wrap="square" tIns="91425">
-            <a:spAutoFit/>
-          </a:bodyPr>
-          <a:lstStyle/>
-          <a:p>
-            <a:pPr indent="0" lvl="0" marL="0" marR="38100" rtl="0" algn="l">
-              <a:lnSpc>
-                <a:spcPct val="128571"/>
-              </a:lnSpc>
-              <a:spcBef>
-                <a:spcPts val="0"/>
-              </a:spcBef>
-              <a:spcAft>
-                <a:spcPts val="0"/>
-              </a:spcAft>
-              <a:buNone/>
-            </a:pPr>
-            <a:r>
-              <a:rPr lang="en-US" sz="1200">
-                <a:solidFill>
-                  <a:srgbClr val="202124"/>
-                </a:solidFill>
-                <a:highlight>
-                  <a:srgbClr val="F8F9FA"/>
-                </a:highlight>
-              </a:rPr>
-              <a:t>This is the menu to end attendance mode. After exiting the attendance mode, the video recording is automatically stopped.</a:t>
-            </a:r>
-            <a:endParaRPr sz="1200">
-              <a:solidFill>
-                <a:srgbClr val="202124"/>
-              </a:solidFill>
-              <a:highlight>
-                <a:srgbClr val="F8F9FA"/>
-              </a:highlight>
-            </a:endParaRPr>
-          </a:p>
-          <a:p>
-            <a:pPr indent="0" lvl="0" marL="0" rtl="0" algn="l">
-              <a:spcBef>
-                <a:spcPts val="0"/>
-              </a:spcBef>
-              <a:spcAft>
-                <a:spcPts val="0"/>
-              </a:spcAft>
-              <a:buNone/>
-            </a:pPr>
-            <a:r>
-              <a:t/>
-            </a:r>
-            <a:endParaRPr>
-              <a:latin typeface="Malgun Gothic"/>
-              <a:ea typeface="Malgun Gothic"/>
-              <a:cs typeface="Malgun Gothic"/>
-              <a:sym typeface="Malgun Gothic"/>
-            </a:endParaRPr>
-          </a:p>
-        </p:txBody>
-      </p:sp>
-      <p:sp>
-        <p:nvSpPr>
-          <p:cNvPr id="208" name="Google Shape;208;p17"/>
-          <p:cNvSpPr txBox="1"/>
-          <p:nvPr/>
-        </p:nvSpPr>
-        <p:spPr>
-          <a:xfrm>
-            <a:off x="7324207" y="5097077"/>
-            <a:ext cx="800400" cy="369300"/>
-          </a:xfrm>
-          <a:prstGeom prst="rect">
-            <a:avLst/>
-          </a:prstGeom>
-          <a:noFill/>
-          <a:ln>
-            <a:noFill/>
-          </a:ln>
-        </p:spPr>
-        <p:txBody>
-          <a:bodyPr anchorCtr="0" anchor="t" bIns="45700" lIns="91425" spcFirstLastPara="1" rIns="91425" wrap="square" tIns="45700">
-            <a:spAutoFit/>
-          </a:bodyPr>
-          <a:lstStyle/>
-          <a:p>
-            <a:pPr indent="0" lvl="0" marL="0" marR="0" rtl="0" algn="l">
-              <a:spcBef>
-                <a:spcPts val="0"/>
-              </a:spcBef>
-              <a:spcAft>
-                <a:spcPts val="0"/>
-              </a:spcAft>
-              <a:buNone/>
-            </a:pPr>
-            <a:r>
-              <a:rPr lang="en-US" sz="1800">
-                <a:solidFill>
-                  <a:schemeClr val="dk1"/>
-                </a:solidFill>
-                <a:latin typeface="Malgun Gothic"/>
-                <a:ea typeface="Malgun Gothic"/>
-                <a:cs typeface="Malgun Gothic"/>
-                <a:sym typeface="Malgun Gothic"/>
-              </a:rPr>
-              <a:t>Clear</a:t>
-            </a:r>
-            <a:endParaRPr sz="1800">
-              <a:solidFill>
-                <a:schemeClr val="dk1"/>
-              </a:solidFill>
-              <a:latin typeface="Malgun Gothic"/>
-              <a:ea typeface="Malgun Gothic"/>
-              <a:cs typeface="Malgun Gothic"/>
-              <a:sym typeface="Malgun Gothic"/>
-            </a:endParaRPr>
-          </a:p>
-        </p:txBody>
-      </p:sp>
-      <p:sp>
-        <p:nvSpPr>
-          <p:cNvPr id="209" name="Google Shape;209;p17"/>
           <p:cNvSpPr txBox="1"/>
           <p:nvPr/>
         </p:nvSpPr>

--- a/AACS_UX.pptx
+++ b/AACS_UX.pptx
@@ -11563,7 +11563,7 @@
             <a:tbl>
               <a:tblPr bandRow="1" firstRow="1">
                 <a:noFill/>
-                <a:tableStyleId>{6936E181-8DED-457B-A822-C322C3DB7DA9}</a:tableStyleId>
+                <a:tableStyleId>{43097496-5494-439B-BA3A-AA4A5C39111F}</a:tableStyleId>
               </a:tblPr>
               <a:tblGrid>
                 <a:gridCol w="1263450"/>
@@ -13392,7 +13392,7 @@
             <a:tbl>
               <a:tblPr bandRow="1" firstRow="1">
                 <a:noFill/>
-                <a:tableStyleId>{6936E181-8DED-457B-A822-C322C3DB7DA9}</a:tableStyleId>
+                <a:tableStyleId>{43097496-5494-439B-BA3A-AA4A5C39111F}</a:tableStyleId>
               </a:tblPr>
               <a:tblGrid>
                 <a:gridCol w="1263450"/>
@@ -14829,7 +14829,7 @@
             <a:tbl>
               <a:tblPr bandRow="1" firstRow="1">
                 <a:noFill/>
-                <a:tableStyleId>{6936E181-8DED-457B-A822-C322C3DB7DA9}</a:tableStyleId>
+                <a:tableStyleId>{43097496-5494-439B-BA3A-AA4A5C39111F}</a:tableStyleId>
               </a:tblPr>
               <a:tblGrid>
                 <a:gridCol w="1263450"/>
@@ -17034,6 +17034,285 @@
 </file>
 
 <file path=ppt/theme/theme1.xml><?xml version="1.0" encoding="utf-8"?>
+<a:theme xmlns:a="http://schemas.openxmlformats.org/drawingml/2006/main" xmlns:r="http://schemas.openxmlformats.org/officeDocument/2006/relationships">
+  <a:themeElements>
+    <a:clrScheme name="Default">
+      <a:dk1>
+        <a:srgbClr val="000000"/>
+      </a:dk1>
+      <a:lt1>
+        <a:srgbClr val="FFFFFF"/>
+      </a:lt1>
+      <a:dk2>
+        <a:srgbClr val="158158"/>
+      </a:dk2>
+      <a:lt2>
+        <a:srgbClr val="F3F3F3"/>
+      </a:lt2>
+      <a:accent1>
+        <a:srgbClr val="058DC7"/>
+      </a:accent1>
+      <a:accent2>
+        <a:srgbClr val="50B432"/>
+      </a:accent2>
+      <a:accent3>
+        <a:srgbClr val="ED561B"/>
+      </a:accent3>
+      <a:accent4>
+        <a:srgbClr val="EDEF00"/>
+      </a:accent4>
+      <a:accent5>
+        <a:srgbClr val="24CBE5"/>
+      </a:accent5>
+      <a:accent6>
+        <a:srgbClr val="64E572"/>
+      </a:accent6>
+      <a:hlink>
+        <a:srgbClr val="2200CC"/>
+      </a:hlink>
+      <a:folHlink>
+        <a:srgbClr val="551A8B"/>
+      </a:folHlink>
+    </a:clrScheme>
+    <a:fontScheme name="Office">
+      <a:majorFont>
+        <a:latin typeface="Arial"/>
+        <a:ea typeface=""/>
+        <a:cs typeface=""/>
+        <a:font script="Jpan" typeface="ＭＳ Ｐゴシック"/>
+        <a:font script="Hang" typeface="맑은 고딕"/>
+        <a:font script="Hans" typeface="宋体"/>
+        <a:font script="Hant" typeface="新細明體"/>
+        <a:font script="Arab" typeface="Times New Roman"/>
+        <a:font script="Hebr" typeface="Times New Roman"/>
+        <a:font script="Thai" typeface="Angsana New"/>
+        <a:font script="Ethi" typeface="Nyala"/>
+        <a:font script="Beng" typeface="Vrinda"/>
+        <a:font script="Gujr" typeface="Shruti"/>
+        <a:font script="Khmr" typeface="MoolBoran"/>
+        <a:font script="Knda" typeface="Tunga"/>
+        <a:font script="Guru" typeface="Raavi"/>
+        <a:font script="Cans" typeface="Euphemia"/>
+        <a:font script="Cher" typeface="Plantagenet Cherokee"/>
+        <a:font script="Yiii" typeface="Microsoft Yi Baiti"/>
+        <a:font script="Tibt" typeface="Microsoft Himalaya"/>
+        <a:font script="Thaa" typeface="MV Boli"/>
+        <a:font script="Deva" typeface="Mangal"/>
+        <a:font script="Telu" typeface="Gautami"/>
+        <a:font script="Taml" typeface="Latha"/>
+        <a:font script="Syrc" typeface="Estrangelo Edessa"/>
+        <a:font script="Orya" typeface="Kalinga"/>
+        <a:font script="Mlym" typeface="Kartika"/>
+        <a:font script="Laoo" typeface="DokChampa"/>
+        <a:font script="Sinh" typeface="Iskoola Pota"/>
+        <a:font script="Mong" typeface="Mongolian Baiti"/>
+        <a:font script="Viet" typeface="Times New Roman"/>
+        <a:font script="Uigh" typeface="Microsoft Uighur"/>
+        <a:font script="Geor" typeface="Sylfaen"/>
+      </a:majorFont>
+      <a:minorFont>
+        <a:latin typeface="Arial"/>
+        <a:ea typeface=""/>
+        <a:cs typeface=""/>
+        <a:font script="Jpan" typeface="ＭＳ Ｐゴシック"/>
+        <a:font script="Hang" typeface="맑은 고딕"/>
+        <a:font script="Hans" typeface="宋体"/>
+        <a:font script="Hant" typeface="新細明體"/>
+        <a:font script="Arab" typeface="Arial"/>
+        <a:font script="Hebr" typeface="Arial"/>
+        <a:font script="Thai" typeface="Cordia New"/>
+        <a:font script="Ethi" typeface="Nyala"/>
+        <a:font script="Beng" typeface="Vrinda"/>
+        <a:font script="Gujr" typeface="Shruti"/>
+        <a:font script="Khmr" typeface="DaunPenh"/>
+        <a:font script="Knda" typeface="Tunga"/>
+        <a:font script="Guru" typeface="Raavi"/>
+        <a:font script="Cans" typeface="Euphemia"/>
+        <a:font script="Cher" typeface="Plantagenet Cherokee"/>
+        <a:font script="Yiii" typeface="Microsoft Yi Baiti"/>
+        <a:font script="Tibt" typeface="Microsoft Himalaya"/>
+        <a:font script="Thaa" typeface="MV Boli"/>
+        <a:font script="Deva" typeface="Mangal"/>
+        <a:font script="Telu" typeface="Gautami"/>
+        <a:font script="Taml" typeface="Latha"/>
+        <a:font script="Syrc" typeface="Estrangelo Edessa"/>
+        <a:font script="Orya" typeface="Kalinga"/>
+        <a:font script="Mlym" typeface="Kartika"/>
+        <a:font script="Laoo" typeface="DokChampa"/>
+        <a:font script="Sinh" typeface="Iskoola Pota"/>
+        <a:font script="Mong" typeface="Mongolian Baiti"/>
+        <a:font script="Viet" typeface="Arial"/>
+        <a:font script="Uigh" typeface="Microsoft Uighur"/>
+        <a:font script="Geor" typeface="Sylfaen"/>
+      </a:minorFont>
+    </a:fontScheme>
+    <a:fmtScheme name="Office">
+      <a:fillStyleLst>
+        <a:solidFill>
+          <a:schemeClr val="phClr"/>
+        </a:solidFill>
+        <a:gradFill rotWithShape="1">
+          <a:gsLst>
+            <a:gs pos="0">
+              <a:schemeClr val="phClr">
+                <a:tint val="50000"/>
+                <a:satMod val="300000"/>
+              </a:schemeClr>
+            </a:gs>
+            <a:gs pos="35000">
+              <a:schemeClr val="phClr">
+                <a:tint val="37000"/>
+                <a:satMod val="300000"/>
+              </a:schemeClr>
+            </a:gs>
+            <a:gs pos="100000">
+              <a:schemeClr val="phClr">
+                <a:tint val="15000"/>
+                <a:satMod val="350000"/>
+              </a:schemeClr>
+            </a:gs>
+          </a:gsLst>
+          <a:lin ang="16200000" scaled="1"/>
+        </a:gradFill>
+        <a:gradFill rotWithShape="1">
+          <a:gsLst>
+            <a:gs pos="0">
+              <a:schemeClr val="phClr">
+                <a:tint val="100000"/>
+                <a:shade val="100000"/>
+                <a:satMod val="130000"/>
+              </a:schemeClr>
+            </a:gs>
+            <a:gs pos="100000">
+              <a:schemeClr val="phClr">
+                <a:tint val="50000"/>
+                <a:shade val="100000"/>
+                <a:satMod val="350000"/>
+              </a:schemeClr>
+            </a:gs>
+          </a:gsLst>
+          <a:lin ang="16200000" scaled="0"/>
+        </a:gradFill>
+      </a:fillStyleLst>
+      <a:lnStyleLst>
+        <a:ln w="9525" cap="flat" cmpd="sng" algn="ctr">
+          <a:solidFill>
+            <a:schemeClr val="phClr">
+              <a:shade val="95000"/>
+              <a:satMod val="105000"/>
+            </a:schemeClr>
+          </a:solidFill>
+          <a:prstDash val="solid"/>
+        </a:ln>
+        <a:ln w="25400" cap="flat" cmpd="sng" algn="ctr">
+          <a:solidFill>
+            <a:schemeClr val="phClr"/>
+          </a:solidFill>
+          <a:prstDash val="solid"/>
+        </a:ln>
+        <a:ln w="38100" cap="flat" cmpd="sng" algn="ctr">
+          <a:solidFill>
+            <a:schemeClr val="phClr"/>
+          </a:solidFill>
+          <a:prstDash val="solid"/>
+        </a:ln>
+      </a:lnStyleLst>
+      <a:effectStyleLst>
+        <a:effectStyle>
+          <a:effectLst>
+            <a:outerShdw blurRad="40000" dist="20000" dir="5400000" rotWithShape="0">
+              <a:srgbClr val="000000">
+                <a:alpha val="38000"/>
+              </a:srgbClr>
+            </a:outerShdw>
+          </a:effectLst>
+        </a:effectStyle>
+        <a:effectStyle>
+          <a:effectLst>
+            <a:outerShdw blurRad="40000" dist="23000" dir="5400000" rotWithShape="0">
+              <a:srgbClr val="000000">
+                <a:alpha val="35000"/>
+              </a:srgbClr>
+            </a:outerShdw>
+          </a:effectLst>
+        </a:effectStyle>
+        <a:effectStyle>
+          <a:effectLst>
+            <a:outerShdw blurRad="40000" dist="23000" dir="5400000" rotWithShape="0">
+              <a:srgbClr val="000000">
+                <a:alpha val="35000"/>
+              </a:srgbClr>
+            </a:outerShdw>
+          </a:effectLst>
+          <a:scene3d>
+            <a:camera prst="orthographicFront">
+              <a:rot lat="0" lon="0" rev="0"/>
+            </a:camera>
+            <a:lightRig rig="threePt" dir="t">
+              <a:rot lat="0" lon="0" rev="1200000"/>
+            </a:lightRig>
+          </a:scene3d>
+          <a:sp3d>
+            <a:bevelT w="63500" h="25400"/>
+          </a:sp3d>
+        </a:effectStyle>
+      </a:effectStyleLst>
+      <a:bgFillStyleLst>
+        <a:solidFill>
+          <a:schemeClr val="phClr"/>
+        </a:solidFill>
+        <a:gradFill rotWithShape="1">
+          <a:gsLst>
+            <a:gs pos="0">
+              <a:schemeClr val="phClr">
+                <a:tint val="40000"/>
+                <a:satMod val="350000"/>
+              </a:schemeClr>
+            </a:gs>
+            <a:gs pos="40000">
+              <a:schemeClr val="phClr">
+                <a:tint val="45000"/>
+                <a:shade val="99000"/>
+                <a:satMod val="350000"/>
+              </a:schemeClr>
+            </a:gs>
+            <a:gs pos="100000">
+              <a:schemeClr val="phClr">
+                <a:shade val="20000"/>
+                <a:satMod val="255000"/>
+              </a:schemeClr>
+            </a:gs>
+          </a:gsLst>
+          <a:path path="circle">
+            <a:fillToRect l="50000" t="-80000" r="50000" b="180000"/>
+          </a:path>
+        </a:gradFill>
+        <a:gradFill rotWithShape="1">
+          <a:gsLst>
+            <a:gs pos="0">
+              <a:schemeClr val="phClr">
+                <a:tint val="80000"/>
+                <a:satMod val="300000"/>
+              </a:schemeClr>
+            </a:gs>
+            <a:gs pos="100000">
+              <a:schemeClr val="phClr">
+                <a:shade val="30000"/>
+                <a:satMod val="200000"/>
+              </a:schemeClr>
+            </a:gs>
+          </a:gsLst>
+          <a:path path="circle">
+            <a:fillToRect l="50000" t="50000" r="50000" b="50000"/>
+          </a:path>
+        </a:gradFill>
+      </a:bgFillStyleLst>
+    </a:fmtScheme>
+  </a:themeElements>
+</a:theme>
+</file>
+
+<file path=ppt/theme/theme2.xml><?xml version="1.0" encoding="utf-8"?>
 <a:theme xmlns:a="http://schemas.openxmlformats.org/drawingml/2006/main" xmlns:r="http://schemas.openxmlformats.org/officeDocument/2006/relationships" name="Office 테마">
   <a:themeElements>
     <a:clrScheme name="Office">
@@ -17310,283 +17589,4 @@
     </a:fmtScheme>
   </a:themeElements>
 </a:theme>
-</file>
-
-<file path=ppt/theme/theme2.xml><?xml version="1.0" encoding="utf-8"?>
-<a:theme xmlns:a="http://schemas.openxmlformats.org/drawingml/2006/main" xmlns:r="http://schemas.openxmlformats.org/officeDocument/2006/relationships">
-  <a:themeElements>
-    <a:clrScheme name="Default">
-      <a:dk1>
-        <a:srgbClr val="000000"/>
-      </a:dk1>
-      <a:lt1>
-        <a:srgbClr val="FFFFFF"/>
-      </a:lt1>
-      <a:dk2>
-        <a:srgbClr val="158158"/>
-      </a:dk2>
-      <a:lt2>
-        <a:srgbClr val="F3F3F3"/>
-      </a:lt2>
-      <a:accent1>
-        <a:srgbClr val="058DC7"/>
-      </a:accent1>
-      <a:accent2>
-        <a:srgbClr val="50B432"/>
-      </a:accent2>
-      <a:accent3>
-        <a:srgbClr val="ED561B"/>
-      </a:accent3>
-      <a:accent4>
-        <a:srgbClr val="EDEF00"/>
-      </a:accent4>
-      <a:accent5>
-        <a:srgbClr val="24CBE5"/>
-      </a:accent5>
-      <a:accent6>
-        <a:srgbClr val="64E572"/>
-      </a:accent6>
-      <a:hlink>
-        <a:srgbClr val="2200CC"/>
-      </a:hlink>
-      <a:folHlink>
-        <a:srgbClr val="551A8B"/>
-      </a:folHlink>
-    </a:clrScheme>
-    <a:fontScheme name="Office">
-      <a:majorFont>
-        <a:latin typeface="Arial"/>
-        <a:ea typeface=""/>
-        <a:cs typeface=""/>
-        <a:font script="Jpan" typeface="ＭＳ Ｐゴシック"/>
-        <a:font script="Hang" typeface="맑은 고딕"/>
-        <a:font script="Hans" typeface="宋体"/>
-        <a:font script="Hant" typeface="新細明體"/>
-        <a:font script="Arab" typeface="Times New Roman"/>
-        <a:font script="Hebr" typeface="Times New Roman"/>
-        <a:font script="Thai" typeface="Angsana New"/>
-        <a:font script="Ethi" typeface="Nyala"/>
-        <a:font script="Beng" typeface="Vrinda"/>
-        <a:font script="Gujr" typeface="Shruti"/>
-        <a:font script="Khmr" typeface="MoolBoran"/>
-        <a:font script="Knda" typeface="Tunga"/>
-        <a:font script="Guru" typeface="Raavi"/>
-        <a:font script="Cans" typeface="Euphemia"/>
-        <a:font script="Cher" typeface="Plantagenet Cherokee"/>
-        <a:font script="Yiii" typeface="Microsoft Yi Baiti"/>
-        <a:font script="Tibt" typeface="Microsoft Himalaya"/>
-        <a:font script="Thaa" typeface="MV Boli"/>
-        <a:font script="Deva" typeface="Mangal"/>
-        <a:font script="Telu" typeface="Gautami"/>
-        <a:font script="Taml" typeface="Latha"/>
-        <a:font script="Syrc" typeface="Estrangelo Edessa"/>
-        <a:font script="Orya" typeface="Kalinga"/>
-        <a:font script="Mlym" typeface="Kartika"/>
-        <a:font script="Laoo" typeface="DokChampa"/>
-        <a:font script="Sinh" typeface="Iskoola Pota"/>
-        <a:font script="Mong" typeface="Mongolian Baiti"/>
-        <a:font script="Viet" typeface="Times New Roman"/>
-        <a:font script="Uigh" typeface="Microsoft Uighur"/>
-        <a:font script="Geor" typeface="Sylfaen"/>
-      </a:majorFont>
-      <a:minorFont>
-        <a:latin typeface="Arial"/>
-        <a:ea typeface=""/>
-        <a:cs typeface=""/>
-        <a:font script="Jpan" typeface="ＭＳ Ｐゴシック"/>
-        <a:font script="Hang" typeface="맑은 고딕"/>
-        <a:font script="Hans" typeface="宋体"/>
-        <a:font script="Hant" typeface="新細明體"/>
-        <a:font script="Arab" typeface="Arial"/>
-        <a:font script="Hebr" typeface="Arial"/>
-        <a:font script="Thai" typeface="Cordia New"/>
-        <a:font script="Ethi" typeface="Nyala"/>
-        <a:font script="Beng" typeface="Vrinda"/>
-        <a:font script="Gujr" typeface="Shruti"/>
-        <a:font script="Khmr" typeface="DaunPenh"/>
-        <a:font script="Knda" typeface="Tunga"/>
-        <a:font script="Guru" typeface="Raavi"/>
-        <a:font script="Cans" typeface="Euphemia"/>
-        <a:font script="Cher" typeface="Plantagenet Cherokee"/>
-        <a:font script="Yiii" typeface="Microsoft Yi Baiti"/>
-        <a:font script="Tibt" typeface="Microsoft Himalaya"/>
-        <a:font script="Thaa" typeface="MV Boli"/>
-        <a:font script="Deva" typeface="Mangal"/>
-        <a:font script="Telu" typeface="Gautami"/>
-        <a:font script="Taml" typeface="Latha"/>
-        <a:font script="Syrc" typeface="Estrangelo Edessa"/>
-        <a:font script="Orya" typeface="Kalinga"/>
-        <a:font script="Mlym" typeface="Kartika"/>
-        <a:font script="Laoo" typeface="DokChampa"/>
-        <a:font script="Sinh" typeface="Iskoola Pota"/>
-        <a:font script="Mong" typeface="Mongolian Baiti"/>
-        <a:font script="Viet" typeface="Arial"/>
-        <a:font script="Uigh" typeface="Microsoft Uighur"/>
-        <a:font script="Geor" typeface="Sylfaen"/>
-      </a:minorFont>
-    </a:fontScheme>
-    <a:fmtScheme name="Office">
-      <a:fillStyleLst>
-        <a:solidFill>
-          <a:schemeClr val="phClr"/>
-        </a:solidFill>
-        <a:gradFill rotWithShape="1">
-          <a:gsLst>
-            <a:gs pos="0">
-              <a:schemeClr val="phClr">
-                <a:tint val="50000"/>
-                <a:satMod val="300000"/>
-              </a:schemeClr>
-            </a:gs>
-            <a:gs pos="35000">
-              <a:schemeClr val="phClr">
-                <a:tint val="37000"/>
-                <a:satMod val="300000"/>
-              </a:schemeClr>
-            </a:gs>
-            <a:gs pos="100000">
-              <a:schemeClr val="phClr">
-                <a:tint val="15000"/>
-                <a:satMod val="350000"/>
-              </a:schemeClr>
-            </a:gs>
-          </a:gsLst>
-          <a:lin ang="16200000" scaled="1"/>
-        </a:gradFill>
-        <a:gradFill rotWithShape="1">
-          <a:gsLst>
-            <a:gs pos="0">
-              <a:schemeClr val="phClr">
-                <a:tint val="100000"/>
-                <a:shade val="100000"/>
-                <a:satMod val="130000"/>
-              </a:schemeClr>
-            </a:gs>
-            <a:gs pos="100000">
-              <a:schemeClr val="phClr">
-                <a:tint val="50000"/>
-                <a:shade val="100000"/>
-                <a:satMod val="350000"/>
-              </a:schemeClr>
-            </a:gs>
-          </a:gsLst>
-          <a:lin ang="16200000" scaled="0"/>
-        </a:gradFill>
-      </a:fillStyleLst>
-      <a:lnStyleLst>
-        <a:ln w="9525" cap="flat" cmpd="sng" algn="ctr">
-          <a:solidFill>
-            <a:schemeClr val="phClr">
-              <a:shade val="95000"/>
-              <a:satMod val="105000"/>
-            </a:schemeClr>
-          </a:solidFill>
-          <a:prstDash val="solid"/>
-        </a:ln>
-        <a:ln w="25400" cap="flat" cmpd="sng" algn="ctr">
-          <a:solidFill>
-            <a:schemeClr val="phClr"/>
-          </a:solidFill>
-          <a:prstDash val="solid"/>
-        </a:ln>
-        <a:ln w="38100" cap="flat" cmpd="sng" algn="ctr">
-          <a:solidFill>
-            <a:schemeClr val="phClr"/>
-          </a:solidFill>
-          <a:prstDash val="solid"/>
-        </a:ln>
-      </a:lnStyleLst>
-      <a:effectStyleLst>
-        <a:effectStyle>
-          <a:effectLst>
-            <a:outerShdw blurRad="40000" dist="20000" dir="5400000" rotWithShape="0">
-              <a:srgbClr val="000000">
-                <a:alpha val="38000"/>
-              </a:srgbClr>
-            </a:outerShdw>
-          </a:effectLst>
-        </a:effectStyle>
-        <a:effectStyle>
-          <a:effectLst>
-            <a:outerShdw blurRad="40000" dist="23000" dir="5400000" rotWithShape="0">
-              <a:srgbClr val="000000">
-                <a:alpha val="35000"/>
-              </a:srgbClr>
-            </a:outerShdw>
-          </a:effectLst>
-        </a:effectStyle>
-        <a:effectStyle>
-          <a:effectLst>
-            <a:outerShdw blurRad="40000" dist="23000" dir="5400000" rotWithShape="0">
-              <a:srgbClr val="000000">
-                <a:alpha val="35000"/>
-              </a:srgbClr>
-            </a:outerShdw>
-          </a:effectLst>
-          <a:scene3d>
-            <a:camera prst="orthographicFront">
-              <a:rot lat="0" lon="0" rev="0"/>
-            </a:camera>
-            <a:lightRig rig="threePt" dir="t">
-              <a:rot lat="0" lon="0" rev="1200000"/>
-            </a:lightRig>
-          </a:scene3d>
-          <a:sp3d>
-            <a:bevelT w="63500" h="25400"/>
-          </a:sp3d>
-        </a:effectStyle>
-      </a:effectStyleLst>
-      <a:bgFillStyleLst>
-        <a:solidFill>
-          <a:schemeClr val="phClr"/>
-        </a:solidFill>
-        <a:gradFill rotWithShape="1">
-          <a:gsLst>
-            <a:gs pos="0">
-              <a:schemeClr val="phClr">
-                <a:tint val="40000"/>
-                <a:satMod val="350000"/>
-              </a:schemeClr>
-            </a:gs>
-            <a:gs pos="40000">
-              <a:schemeClr val="phClr">
-                <a:tint val="45000"/>
-                <a:shade val="99000"/>
-                <a:satMod val="350000"/>
-              </a:schemeClr>
-            </a:gs>
-            <a:gs pos="100000">
-              <a:schemeClr val="phClr">
-                <a:shade val="20000"/>
-                <a:satMod val="255000"/>
-              </a:schemeClr>
-            </a:gs>
-          </a:gsLst>
-          <a:path path="circle">
-            <a:fillToRect l="50000" t="-80000" r="50000" b="180000"/>
-          </a:path>
-        </a:gradFill>
-        <a:gradFill rotWithShape="1">
-          <a:gsLst>
-            <a:gs pos="0">
-              <a:schemeClr val="phClr">
-                <a:tint val="80000"/>
-                <a:satMod val="300000"/>
-              </a:schemeClr>
-            </a:gs>
-            <a:gs pos="100000">
-              <a:schemeClr val="phClr">
-                <a:shade val="30000"/>
-                <a:satMod val="200000"/>
-              </a:schemeClr>
-            </a:gs>
-          </a:gsLst>
-          <a:path path="circle">
-            <a:fillToRect l="50000" t="50000" r="50000" b="50000"/>
-          </a:path>
-        </a:gradFill>
-      </a:bgFillStyleLst>
-    </a:fmtScheme>
-  </a:themeElements>
-</a:theme>
 </file>